--- a/ESC - Sistema de Gerenciamento de Hoteis.pptx
+++ b/ESC - Sistema de Gerenciamento de Hoteis.pptx
@@ -10,6 +10,7 @@
     <p:sldId id="263" r:id="rId4"/>
     <p:sldId id="261" r:id="rId5"/>
     <p:sldId id="262" r:id="rId6"/>
+    <p:sldId id="264" r:id="rId7"/>
   </p:sldIdLst>
   <p:sldSz cx="12192000" cy="6858000"/>
   <p:notesSz cx="6858000" cy="9144000"/>
@@ -14186,6 +14187,113 @@
 </p:sld>
 </file>
 
+<file path=ppt/slides/slide6.xml><?xml version="1.0" encoding="utf-8"?>
+<p:sld xmlns:a="http://schemas.openxmlformats.org/drawingml/2006/main" xmlns:r="http://schemas.openxmlformats.org/officeDocument/2006/relationships" xmlns:p="http://schemas.openxmlformats.org/presentationml/2006/main">
+  <p:cSld>
+    <p:spTree>
+      <p:nvGrpSpPr>
+        <p:cNvPr id="1" name=""/>
+        <p:cNvGrpSpPr/>
+        <p:nvPr/>
+      </p:nvGrpSpPr>
+      <p:grpSpPr>
+        <a:xfrm>
+          <a:off x="0" y="0"/>
+          <a:ext cx="0" cy="0"/>
+          <a:chOff x="0" y="0"/>
+          <a:chExt cx="0" cy="0"/>
+        </a:xfrm>
+      </p:grpSpPr>
+      <p:sp>
+        <p:nvSpPr>
+          <p:cNvPr id="2" name="Título 1">
+            <a:extLst>
+              <a:ext uri="{FF2B5EF4-FFF2-40B4-BE49-F238E27FC236}">
+                <a16:creationId xmlns:a16="http://schemas.microsoft.com/office/drawing/2014/main" id="{90D7A43A-3EFE-5E36-C0F5-7C14CC0F3823}"/>
+              </a:ext>
+            </a:extLst>
+          </p:cNvPr>
+          <p:cNvSpPr>
+            <a:spLocks noGrp="1"/>
+          </p:cNvSpPr>
+          <p:nvPr>
+            <p:ph type="title"/>
+          </p:nvPr>
+        </p:nvSpPr>
+        <p:spPr/>
+        <p:txBody>
+          <a:bodyPr/>
+          <a:lstStyle/>
+          <a:p>
+            <a:r>
+              <a:rPr lang="pt-BR" dirty="0"/>
+              <a:t>Diagramas</a:t>
+            </a:r>
+          </a:p>
+        </p:txBody>
+      </p:sp>
+      <p:sp>
+        <p:nvSpPr>
+          <p:cNvPr id="3" name="Espaço Reservado para Conteúdo 2">
+            <a:extLst>
+              <a:ext uri="{FF2B5EF4-FFF2-40B4-BE49-F238E27FC236}">
+                <a16:creationId xmlns:a16="http://schemas.microsoft.com/office/drawing/2014/main" id="{BE0AE145-7637-7892-B91A-04F954C5F6FC}"/>
+              </a:ext>
+            </a:extLst>
+          </p:cNvPr>
+          <p:cNvSpPr>
+            <a:spLocks noGrp="1"/>
+          </p:cNvSpPr>
+          <p:nvPr>
+            <p:ph idx="1"/>
+          </p:nvPr>
+        </p:nvSpPr>
+        <p:spPr/>
+        <p:txBody>
+          <a:bodyPr>
+            <a:normAutofit/>
+          </a:bodyPr>
+          <a:lstStyle/>
+          <a:p>
+            <a:pPr marL="0" lvl="0" indent="0" algn="just">
+              <a:lnSpc>
+                <a:spcPct val="150000"/>
+              </a:lnSpc>
+              <a:buNone/>
+            </a:pPr>
+            <a:r>
+              <a:rPr lang="pt-BR" sz="1800" dirty="0">
+                <a:latin typeface="Arial" panose="020B0604020202020204" pitchFamily="34" charset="0"/>
+                <a:ea typeface="Calibri" panose="020F0502020204030204" pitchFamily="34" charset="0"/>
+                <a:cs typeface="Arial" panose="020B0604020202020204" pitchFamily="34" charset="0"/>
+              </a:rPr>
+              <a:t>d</a:t>
+            </a:r>
+            <a:endParaRPr lang="pt-BR" sz="1800" dirty="0">
+              <a:effectLst/>
+              <a:latin typeface="Arial" panose="020B0604020202020204" pitchFamily="34" charset="0"/>
+              <a:ea typeface="Calibri" panose="020F0502020204030204" pitchFamily="34" charset="0"/>
+              <a:cs typeface="Arial" panose="020B0604020202020204" pitchFamily="34" charset="0"/>
+            </a:endParaRPr>
+          </a:p>
+          <a:p>
+            <a:endParaRPr lang="pt-BR" dirty="0"/>
+          </a:p>
+        </p:txBody>
+      </p:sp>
+    </p:spTree>
+    <p:extLst>
+      <p:ext uri="{BB962C8B-B14F-4D97-AF65-F5344CB8AC3E}">
+        <p14:creationId xmlns:p14="http://schemas.microsoft.com/office/powerpoint/2010/main" val="1658231372"/>
+      </p:ext>
+    </p:extLst>
+  </p:cSld>
+  <p:clrMapOvr>
+    <a:masterClrMapping/>
+  </p:clrMapOvr>
+</p:sld>
+</file>
+
 <file path=ppt/theme/theme1.xml><?xml version="1.0" encoding="utf-8"?>
 <a:theme xmlns:a="http://schemas.openxmlformats.org/drawingml/2006/main" name="Circuito">
   <a:themeElements>

--- a/ESC - Sistema de Gerenciamento de Hoteis.pptx
+++ b/ESC - Sistema de Gerenciamento de Hoteis.pptx
@@ -5,15 +5,13 @@
     <p:sldMasterId id="2147483696" r:id="rId1"/>
   </p:sldMasterIdLst>
   <p:notesMasterIdLst>
-    <p:notesMasterId r:id="rId8"/>
+    <p:notesMasterId r:id="rId6"/>
   </p:notesMasterIdLst>
   <p:sldIdLst>
     <p:sldId id="256" r:id="rId2"/>
     <p:sldId id="257" r:id="rId3"/>
-    <p:sldId id="263" r:id="rId4"/>
-    <p:sldId id="261" r:id="rId5"/>
-    <p:sldId id="262" r:id="rId6"/>
-    <p:sldId id="264" r:id="rId7"/>
+    <p:sldId id="265" r:id="rId4"/>
+    <p:sldId id="263" r:id="rId5"/>
   </p:sldIdLst>
   <p:sldSz cx="12192000" cy="6858000"/>
   <p:notesSz cx="6858000" cy="9144000"/>
@@ -116,6 +114,9 @@
     <p:ext uri="{EFAFB233-063F-42B5-8137-9DF3F51BA10A}">
       <p15:sldGuideLst xmlns:p15="http://schemas.microsoft.com/office/powerpoint/2012/main"/>
     </p:ext>
+    <p:ext uri="{2D200454-40CA-4A62-9FC3-DE9A4176ACB9}">
+      <p15:notesGuideLst xmlns:p15="http://schemas.microsoft.com/office/powerpoint/2012/main"/>
+    </p:ext>
   </p:extLst>
 </p:presentation>
 </file>
@@ -130,62 +131,6 @@
     </p:extLst>
   </p:cmAuthor>
 </p:cmAuthorLst>
-</file>
-
-<file path=ppt/comments/comment1.xml><?xml version="1.0" encoding="utf-8"?>
-<p:cmLst xmlns:a="http://schemas.openxmlformats.org/drawingml/2006/main" xmlns:r="http://schemas.openxmlformats.org/officeDocument/2006/relationships" xmlns:p="http://schemas.openxmlformats.org/presentationml/2006/main">
-  <p:cm authorId="1" dt="2023-07-31T22:25:44.179" idx="1">
-    <p:pos x="10" y="10"/>
-    <p:text>Vitor</p:text>
-    <p:extLst>
-      <p:ext uri="{C676402C-5697-4E1C-873F-D02D1690AC5C}">
-        <p15:threadingInfo xmlns:p15="http://schemas.microsoft.com/office/powerpoint/2012/main" timeZoneBias="180"/>
-      </p:ext>
-    </p:extLst>
-  </p:cm>
-</p:cmLst>
-</file>
-
-<file path=ppt/comments/comment2.xml><?xml version="1.0" encoding="utf-8"?>
-<p:cmLst xmlns:a="http://schemas.openxmlformats.org/drawingml/2006/main" xmlns:r="http://schemas.openxmlformats.org/officeDocument/2006/relationships" xmlns:p="http://schemas.openxmlformats.org/presentationml/2006/main">
-  <p:cm authorId="1" dt="2023-07-31T22:26:08.401" idx="2">
-    <p:pos x="10" y="10"/>
-    <p:text>Caio</p:text>
-    <p:extLst>
-      <p:ext uri="{C676402C-5697-4E1C-873F-D02D1690AC5C}">
-        <p15:threadingInfo xmlns:p15="http://schemas.microsoft.com/office/powerpoint/2012/main" timeZoneBias="180"/>
-      </p:ext>
-    </p:extLst>
-  </p:cm>
-</p:cmLst>
-</file>
-
-<file path=ppt/comments/comment3.xml><?xml version="1.0" encoding="utf-8"?>
-<p:cmLst xmlns:a="http://schemas.openxmlformats.org/drawingml/2006/main" xmlns:r="http://schemas.openxmlformats.org/officeDocument/2006/relationships" xmlns:p="http://schemas.openxmlformats.org/presentationml/2006/main">
-  <p:cm authorId="1" dt="2023-07-31T22:26:21.033" idx="3">
-    <p:pos x="10" y="10"/>
-    <p:text>Everson</p:text>
-    <p:extLst>
-      <p:ext uri="{C676402C-5697-4E1C-873F-D02D1690AC5C}">
-        <p15:threadingInfo xmlns:p15="http://schemas.microsoft.com/office/powerpoint/2012/main" timeZoneBias="180"/>
-      </p:ext>
-    </p:extLst>
-  </p:cm>
-</p:cmLst>
-</file>
-
-<file path=ppt/comments/comment4.xml><?xml version="1.0" encoding="utf-8"?>
-<p:cmLst xmlns:a="http://schemas.openxmlformats.org/drawingml/2006/main" xmlns:r="http://schemas.openxmlformats.org/officeDocument/2006/relationships" xmlns:p="http://schemas.openxmlformats.org/presentationml/2006/main">
-  <p:cm authorId="1" dt="2023-07-31T22:26:30.464" idx="4">
-    <p:pos x="10" y="10"/>
-    <p:text>Everson</p:text>
-    <p:extLst>
-      <p:ext uri="{C676402C-5697-4E1C-873F-D02D1690AC5C}">
-        <p15:threadingInfo xmlns:p15="http://schemas.microsoft.com/office/powerpoint/2012/main" timeZoneBias="180"/>
-      </p:ext>
-    </p:extLst>
-  </p:cm>
-</p:cmLst>
 </file>
 
 <file path=ppt/notesMasters/notesMaster1.xml><?xml version="1.0" encoding="utf-8"?>
@@ -237,7 +182,7 @@
             </a:lvl1pPr>
           </a:lstStyle>
           <a:p>
-            <a:endParaRPr lang="pt-BR"/>
+            <a:endParaRPr lang="pt-BR" dirty="0"/>
           </a:p>
         </p:txBody>
       </p:sp>
@@ -270,9 +215,9 @@
           <a:p>
             <a:fld id="{238599F3-8B3D-4DDB-ACDA-F71BB84088A5}" type="datetimeFigureOut">
               <a:rPr lang="pt-BR" smtClean="0"/>
-              <a:t>31/07/2023</a:t>
+              <a:t>07/08/2023</a:t>
             </a:fld>
-            <a:endParaRPr lang="pt-BR"/>
+            <a:endParaRPr lang="pt-BR" dirty="0"/>
           </a:p>
         </p:txBody>
       </p:sp>
@@ -305,7 +250,7 @@
           <a:bodyPr vert="horz" lIns="91440" tIns="45720" rIns="91440" bIns="45720" rtlCol="0" anchor="ctr"/>
           <a:lstStyle/>
           <a:p>
-            <a:endParaRPr lang="pt-BR"/>
+            <a:endParaRPr lang="pt-BR" dirty="0"/>
           </a:p>
         </p:txBody>
       </p:sp>
@@ -395,7 +340,7 @@
             </a:lvl1pPr>
           </a:lstStyle>
           <a:p>
-            <a:endParaRPr lang="pt-BR"/>
+            <a:endParaRPr lang="pt-BR" dirty="0"/>
           </a:p>
         </p:txBody>
       </p:sp>
@@ -430,7 +375,7 @@
               <a:rPr lang="pt-BR" smtClean="0"/>
               <a:t>‹nº›</a:t>
             </a:fld>
-            <a:endParaRPr lang="pt-BR"/>
+            <a:endParaRPr lang="pt-BR" dirty="0"/>
           </a:p>
         </p:txBody>
       </p:sp>
@@ -581,7 +526,7 @@
           <a:bodyPr/>
           <a:lstStyle/>
           <a:p>
-            <a:endParaRPr lang="pt-BR"/>
+            <a:endParaRPr lang="pt-BR" dirty="0"/>
           </a:p>
         </p:txBody>
       </p:sp>
@@ -604,7 +549,7 @@
               <a:rPr lang="pt-BR" smtClean="0"/>
               <a:t>1</a:t>
             </a:fld>
-            <a:endParaRPr lang="pt-BR"/>
+            <a:endParaRPr lang="pt-BR" dirty="0"/>
           </a:p>
         </p:txBody>
       </p:sp>
@@ -665,10 +610,7 @@
           <a:bodyPr/>
           <a:lstStyle/>
           <a:p>
-            <a:r>
-              <a:rPr lang="pt-BR" dirty="0"/>
-              <a:t>Vitor</a:t>
-            </a:r>
+            <a:endParaRPr lang="pt-BR" dirty="0"/>
           </a:p>
         </p:txBody>
       </p:sp>
@@ -691,7 +633,7 @@
               <a:rPr lang="pt-BR" smtClean="0"/>
               <a:t>2</a:t>
             </a:fld>
-            <a:endParaRPr lang="pt-BR"/>
+            <a:endParaRPr lang="pt-BR" dirty="0"/>
           </a:p>
         </p:txBody>
       </p:sp>
@@ -752,10 +694,7 @@
           <a:bodyPr/>
           <a:lstStyle/>
           <a:p>
-            <a:r>
-              <a:rPr lang="pt-BR" dirty="0"/>
-              <a:t>Caio</a:t>
-            </a:r>
+            <a:endParaRPr lang="pt-BR" dirty="0"/>
           </a:p>
         </p:txBody>
       </p:sp>
@@ -778,14 +717,14 @@
               <a:rPr lang="pt-BR" smtClean="0"/>
               <a:t>3</a:t>
             </a:fld>
-            <a:endParaRPr lang="pt-BR"/>
+            <a:endParaRPr lang="pt-BR" dirty="0"/>
           </a:p>
         </p:txBody>
       </p:sp>
     </p:spTree>
     <p:extLst>
       <p:ext uri="{BB962C8B-B14F-4D97-AF65-F5344CB8AC3E}">
-        <p14:creationId xmlns:p14="http://schemas.microsoft.com/office/powerpoint/2010/main" val="2809030949"/>
+        <p14:creationId xmlns:p14="http://schemas.microsoft.com/office/powerpoint/2010/main" val="354379464"/>
       </p:ext>
     </p:extLst>
   </p:cSld>
@@ -839,10 +778,7 @@
           <a:bodyPr/>
           <a:lstStyle/>
           <a:p>
-            <a:r>
-              <a:rPr lang="pt-BR" dirty="0"/>
-              <a:t>Everson</a:t>
-            </a:r>
+            <a:endParaRPr lang="pt-BR" dirty="0"/>
           </a:p>
         </p:txBody>
       </p:sp>
@@ -865,188 +801,14 @@
               <a:rPr lang="pt-BR" smtClean="0"/>
               <a:t>4</a:t>
             </a:fld>
-            <a:endParaRPr lang="pt-BR"/>
+            <a:endParaRPr lang="pt-BR" dirty="0"/>
           </a:p>
         </p:txBody>
       </p:sp>
     </p:spTree>
     <p:extLst>
       <p:ext uri="{BB962C8B-B14F-4D97-AF65-F5344CB8AC3E}">
-        <p14:creationId xmlns:p14="http://schemas.microsoft.com/office/powerpoint/2010/main" val="2891311191"/>
-      </p:ext>
-    </p:extLst>
-  </p:cSld>
-  <p:clrMapOvr>
-    <a:masterClrMapping/>
-  </p:clrMapOvr>
-</p:notes>
-</file>
-
-<file path=ppt/notesSlides/notesSlide5.xml><?xml version="1.0" encoding="utf-8"?>
-<p:notes xmlns:a="http://schemas.openxmlformats.org/drawingml/2006/main" xmlns:r="http://schemas.openxmlformats.org/officeDocument/2006/relationships" xmlns:p="http://schemas.openxmlformats.org/presentationml/2006/main">
-  <p:cSld>
-    <p:spTree>
-      <p:nvGrpSpPr>
-        <p:cNvPr id="1" name=""/>
-        <p:cNvGrpSpPr/>
-        <p:nvPr/>
-      </p:nvGrpSpPr>
-      <p:grpSpPr>
-        <a:xfrm>
-          <a:off x="0" y="0"/>
-          <a:ext cx="0" cy="0"/>
-          <a:chOff x="0" y="0"/>
-          <a:chExt cx="0" cy="0"/>
-        </a:xfrm>
-      </p:grpSpPr>
-      <p:sp>
-        <p:nvSpPr>
-          <p:cNvPr id="2" name="Espaço Reservado para Imagem de Slide 1"/>
-          <p:cNvSpPr>
-            <a:spLocks noGrp="1" noRot="1" noChangeAspect="1"/>
-          </p:cNvSpPr>
-          <p:nvPr>
-            <p:ph type="sldImg"/>
-          </p:nvPr>
-        </p:nvSpPr>
-        <p:spPr/>
-      </p:sp>
-      <p:sp>
-        <p:nvSpPr>
-          <p:cNvPr id="3" name="Espaço Reservado para Anotações 2"/>
-          <p:cNvSpPr>
-            <a:spLocks noGrp="1"/>
-          </p:cNvSpPr>
-          <p:nvPr>
-            <p:ph type="body" idx="1"/>
-          </p:nvPr>
-        </p:nvSpPr>
-        <p:spPr/>
-        <p:txBody>
-          <a:bodyPr/>
-          <a:lstStyle/>
-          <a:p>
-            <a:r>
-              <a:rPr lang="pt-BR" dirty="0"/>
-              <a:t>Everson</a:t>
-            </a:r>
-          </a:p>
-        </p:txBody>
-      </p:sp>
-      <p:sp>
-        <p:nvSpPr>
-          <p:cNvPr id="4" name="Espaço Reservado para Número de Slide 3"/>
-          <p:cNvSpPr>
-            <a:spLocks noGrp="1"/>
-          </p:cNvSpPr>
-          <p:nvPr>
-            <p:ph type="sldNum" sz="quarter" idx="5"/>
-          </p:nvPr>
-        </p:nvSpPr>
-        <p:spPr/>
-        <p:txBody>
-          <a:bodyPr/>
-          <a:lstStyle/>
-          <a:p>
-            <a:fld id="{8E6D6F75-68DD-4A8B-8E85-19FCA0554D73}" type="slidenum">
-              <a:rPr lang="pt-BR" smtClean="0"/>
-              <a:t>5</a:t>
-            </a:fld>
-            <a:endParaRPr lang="pt-BR"/>
-          </a:p>
-        </p:txBody>
-      </p:sp>
-    </p:spTree>
-    <p:extLst>
-      <p:ext uri="{BB962C8B-B14F-4D97-AF65-F5344CB8AC3E}">
-        <p14:creationId xmlns:p14="http://schemas.microsoft.com/office/powerpoint/2010/main" val="191037265"/>
-      </p:ext>
-    </p:extLst>
-  </p:cSld>
-  <p:clrMapOvr>
-    <a:masterClrMapping/>
-  </p:clrMapOvr>
-</p:notes>
-</file>
-
-<file path=ppt/notesSlides/notesSlide6.xml><?xml version="1.0" encoding="utf-8"?>
-<p:notes xmlns:a="http://schemas.openxmlformats.org/drawingml/2006/main" xmlns:r="http://schemas.openxmlformats.org/officeDocument/2006/relationships" xmlns:p="http://schemas.openxmlformats.org/presentationml/2006/main">
-  <p:cSld>
-    <p:spTree>
-      <p:nvGrpSpPr>
-        <p:cNvPr id="1" name=""/>
-        <p:cNvGrpSpPr/>
-        <p:nvPr/>
-      </p:nvGrpSpPr>
-      <p:grpSpPr>
-        <a:xfrm>
-          <a:off x="0" y="0"/>
-          <a:ext cx="0" cy="0"/>
-          <a:chOff x="0" y="0"/>
-          <a:chExt cx="0" cy="0"/>
-        </a:xfrm>
-      </p:grpSpPr>
-      <p:sp>
-        <p:nvSpPr>
-          <p:cNvPr id="2" name="Espaço Reservado para Imagem de Slide 1"/>
-          <p:cNvSpPr>
-            <a:spLocks noGrp="1" noRot="1" noChangeAspect="1"/>
-          </p:cNvSpPr>
-          <p:nvPr>
-            <p:ph type="sldImg"/>
-          </p:nvPr>
-        </p:nvSpPr>
-        <p:spPr/>
-      </p:sp>
-      <p:sp>
-        <p:nvSpPr>
-          <p:cNvPr id="3" name="Espaço Reservado para Anotações 2"/>
-          <p:cNvSpPr>
-            <a:spLocks noGrp="1"/>
-          </p:cNvSpPr>
-          <p:nvPr>
-            <p:ph type="body" idx="1"/>
-          </p:nvPr>
-        </p:nvSpPr>
-        <p:spPr/>
-        <p:txBody>
-          <a:bodyPr/>
-          <a:lstStyle/>
-          <a:p>
-            <a:r>
-              <a:rPr lang="pt-BR" dirty="0"/>
-              <a:t>Caio</a:t>
-            </a:r>
-          </a:p>
-        </p:txBody>
-      </p:sp>
-      <p:sp>
-        <p:nvSpPr>
-          <p:cNvPr id="4" name="Espaço Reservado para Número de Slide 3"/>
-          <p:cNvSpPr>
-            <a:spLocks noGrp="1"/>
-          </p:cNvSpPr>
-          <p:nvPr>
-            <p:ph type="sldNum" sz="quarter" idx="5"/>
-          </p:nvPr>
-        </p:nvSpPr>
-        <p:spPr/>
-        <p:txBody>
-          <a:bodyPr/>
-          <a:lstStyle/>
-          <a:p>
-            <a:fld id="{8E6D6F75-68DD-4A8B-8E85-19FCA0554D73}" type="slidenum">
-              <a:rPr lang="pt-BR" smtClean="0"/>
-              <a:t>6</a:t>
-            </a:fld>
-            <a:endParaRPr lang="pt-BR"/>
-          </a:p>
-        </p:txBody>
-      </p:sp>
-    </p:spTree>
-    <p:extLst>
-      <p:ext uri="{BB962C8B-B14F-4D97-AF65-F5344CB8AC3E}">
-        <p14:creationId xmlns:p14="http://schemas.microsoft.com/office/powerpoint/2010/main" val="2857303700"/>
+        <p14:creationId xmlns:p14="http://schemas.microsoft.com/office/powerpoint/2010/main" val="2809030949"/>
       </p:ext>
     </p:extLst>
   </p:cSld>
@@ -1195,9 +957,9 @@
           <a:p>
             <a:fld id="{191FE4A8-22CC-4CAA-9760-617E55D42B11}" type="datetimeFigureOut">
               <a:rPr lang="pt-BR" smtClean="0"/>
-              <a:t>31/07/2023</a:t>
+              <a:t>07/08/2023</a:t>
             </a:fld>
-            <a:endParaRPr lang="pt-BR"/>
+            <a:endParaRPr lang="pt-BR" dirty="0"/>
           </a:p>
         </p:txBody>
       </p:sp>
@@ -1221,7 +983,7 @@
           <a:bodyPr/>
           <a:lstStyle/>
           <a:p>
-            <a:endParaRPr lang="pt-BR"/>
+            <a:endParaRPr lang="pt-BR" dirty="0"/>
           </a:p>
         </p:txBody>
       </p:sp>
@@ -1249,7 +1011,7 @@
               <a:rPr lang="pt-BR" smtClean="0"/>
               <a:t>‹nº›</a:t>
             </a:fld>
-            <a:endParaRPr lang="pt-BR"/>
+            <a:endParaRPr lang="pt-BR" dirty="0"/>
           </a:p>
         </p:txBody>
       </p:sp>
@@ -1406,9 +1168,9 @@
           <a:p>
             <a:fld id="{191FE4A8-22CC-4CAA-9760-617E55D42B11}" type="datetimeFigureOut">
               <a:rPr lang="pt-BR" smtClean="0"/>
-              <a:t>31/07/2023</a:t>
+              <a:t>07/08/2023</a:t>
             </a:fld>
-            <a:endParaRPr lang="pt-BR"/>
+            <a:endParaRPr lang="pt-BR" dirty="0"/>
           </a:p>
         </p:txBody>
       </p:sp>
@@ -1427,7 +1189,7 @@
           <a:bodyPr/>
           <a:lstStyle/>
           <a:p>
-            <a:endParaRPr lang="pt-BR"/>
+            <a:endParaRPr lang="pt-BR" dirty="0"/>
           </a:p>
         </p:txBody>
       </p:sp>
@@ -1450,7 +1212,7 @@
               <a:rPr lang="pt-BR" smtClean="0"/>
               <a:t>‹nº›</a:t>
             </a:fld>
-            <a:endParaRPr lang="pt-BR"/>
+            <a:endParaRPr lang="pt-BR" dirty="0"/>
           </a:p>
         </p:txBody>
       </p:sp>
@@ -1621,9 +1383,9 @@
           <a:p>
             <a:fld id="{191FE4A8-22CC-4CAA-9760-617E55D42B11}" type="datetimeFigureOut">
               <a:rPr lang="pt-BR" smtClean="0"/>
-              <a:t>31/07/2023</a:t>
+              <a:t>07/08/2023</a:t>
             </a:fld>
-            <a:endParaRPr lang="pt-BR"/>
+            <a:endParaRPr lang="pt-BR" dirty="0"/>
           </a:p>
         </p:txBody>
       </p:sp>
@@ -1642,7 +1404,7 @@
           <a:bodyPr/>
           <a:lstStyle/>
           <a:p>
-            <a:endParaRPr lang="pt-BR"/>
+            <a:endParaRPr lang="pt-BR" dirty="0"/>
           </a:p>
         </p:txBody>
       </p:sp>
@@ -1665,7 +1427,7 @@
               <a:rPr lang="pt-BR" smtClean="0"/>
               <a:t>‹nº›</a:t>
             </a:fld>
-            <a:endParaRPr lang="pt-BR"/>
+            <a:endParaRPr lang="pt-BR" dirty="0"/>
           </a:p>
         </p:txBody>
       </p:sp>
@@ -1822,9 +1584,9 @@
           <a:p>
             <a:fld id="{191FE4A8-22CC-4CAA-9760-617E55D42B11}" type="datetimeFigureOut">
               <a:rPr lang="pt-BR" smtClean="0"/>
-              <a:t>31/07/2023</a:t>
+              <a:t>07/08/2023</a:t>
             </a:fld>
-            <a:endParaRPr lang="pt-BR"/>
+            <a:endParaRPr lang="pt-BR" dirty="0"/>
           </a:p>
         </p:txBody>
       </p:sp>
@@ -1843,7 +1605,7 @@
           <a:bodyPr/>
           <a:lstStyle/>
           <a:p>
-            <a:endParaRPr lang="pt-BR"/>
+            <a:endParaRPr lang="pt-BR" dirty="0"/>
           </a:p>
         </p:txBody>
       </p:sp>
@@ -1866,7 +1628,7 @@
               <a:rPr lang="pt-BR" smtClean="0"/>
               <a:t>‹nº›</a:t>
             </a:fld>
-            <a:endParaRPr lang="pt-BR"/>
+            <a:endParaRPr lang="pt-BR" dirty="0"/>
           </a:p>
         </p:txBody>
       </p:sp>
@@ -2101,9 +1863,9 @@
           <a:p>
             <a:fld id="{191FE4A8-22CC-4CAA-9760-617E55D42B11}" type="datetimeFigureOut">
               <a:rPr lang="pt-BR" smtClean="0"/>
-              <a:t>31/07/2023</a:t>
+              <a:t>07/08/2023</a:t>
             </a:fld>
-            <a:endParaRPr lang="pt-BR"/>
+            <a:endParaRPr lang="pt-BR" dirty="0"/>
           </a:p>
         </p:txBody>
       </p:sp>
@@ -2122,7 +1884,7 @@
           <a:bodyPr/>
           <a:lstStyle/>
           <a:p>
-            <a:endParaRPr lang="pt-BR"/>
+            <a:endParaRPr lang="pt-BR" dirty="0"/>
           </a:p>
         </p:txBody>
       </p:sp>
@@ -2145,7 +1907,7 @@
               <a:rPr lang="pt-BR" smtClean="0"/>
               <a:t>‹nº›</a:t>
             </a:fld>
-            <a:endParaRPr lang="pt-BR"/>
+            <a:endParaRPr lang="pt-BR" dirty="0"/>
           </a:p>
         </p:txBody>
       </p:sp>
@@ -2369,9 +2131,9 @@
           <a:p>
             <a:fld id="{191FE4A8-22CC-4CAA-9760-617E55D42B11}" type="datetimeFigureOut">
               <a:rPr lang="pt-BR" smtClean="0"/>
-              <a:t>31/07/2023</a:t>
+              <a:t>07/08/2023</a:t>
             </a:fld>
-            <a:endParaRPr lang="pt-BR"/>
+            <a:endParaRPr lang="pt-BR" dirty="0"/>
           </a:p>
         </p:txBody>
       </p:sp>
@@ -2390,7 +2152,7 @@
           <a:bodyPr/>
           <a:lstStyle/>
           <a:p>
-            <a:endParaRPr lang="pt-BR"/>
+            <a:endParaRPr lang="pt-BR" dirty="0"/>
           </a:p>
         </p:txBody>
       </p:sp>
@@ -2413,7 +2175,7 @@
               <a:rPr lang="pt-BR" smtClean="0"/>
               <a:t>‹nº›</a:t>
             </a:fld>
-            <a:endParaRPr lang="pt-BR"/>
+            <a:endParaRPr lang="pt-BR" dirty="0"/>
           </a:p>
         </p:txBody>
       </p:sp>
@@ -2785,9 +2547,9 @@
           <a:p>
             <a:fld id="{191FE4A8-22CC-4CAA-9760-617E55D42B11}" type="datetimeFigureOut">
               <a:rPr lang="pt-BR" smtClean="0"/>
-              <a:t>31/07/2023</a:t>
+              <a:t>07/08/2023</a:t>
             </a:fld>
-            <a:endParaRPr lang="pt-BR"/>
+            <a:endParaRPr lang="pt-BR" dirty="0"/>
           </a:p>
         </p:txBody>
       </p:sp>
@@ -2806,7 +2568,7 @@
           <a:bodyPr/>
           <a:lstStyle/>
           <a:p>
-            <a:endParaRPr lang="pt-BR"/>
+            <a:endParaRPr lang="pt-BR" dirty="0"/>
           </a:p>
         </p:txBody>
       </p:sp>
@@ -2829,7 +2591,7 @@
               <a:rPr lang="pt-BR" smtClean="0"/>
               <a:t>‹nº›</a:t>
             </a:fld>
-            <a:endParaRPr lang="pt-BR"/>
+            <a:endParaRPr lang="pt-BR" dirty="0"/>
           </a:p>
         </p:txBody>
       </p:sp>
@@ -2934,9 +2696,9 @@
           <a:p>
             <a:fld id="{191FE4A8-22CC-4CAA-9760-617E55D42B11}" type="datetimeFigureOut">
               <a:rPr lang="pt-BR" smtClean="0"/>
-              <a:t>31/07/2023</a:t>
+              <a:t>07/08/2023</a:t>
             </a:fld>
-            <a:endParaRPr lang="pt-BR"/>
+            <a:endParaRPr lang="pt-BR" dirty="0"/>
           </a:p>
         </p:txBody>
       </p:sp>
@@ -2955,7 +2717,7 @@
           <a:bodyPr/>
           <a:lstStyle/>
           <a:p>
-            <a:endParaRPr lang="pt-BR"/>
+            <a:endParaRPr lang="pt-BR" dirty="0"/>
           </a:p>
         </p:txBody>
       </p:sp>
@@ -2978,7 +2740,7 @@
               <a:rPr lang="pt-BR" smtClean="0"/>
               <a:t>‹nº›</a:t>
             </a:fld>
-            <a:endParaRPr lang="pt-BR"/>
+            <a:endParaRPr lang="pt-BR" dirty="0"/>
           </a:p>
         </p:txBody>
       </p:sp>
@@ -3060,9 +2822,9 @@
           <a:p>
             <a:fld id="{191FE4A8-22CC-4CAA-9760-617E55D42B11}" type="datetimeFigureOut">
               <a:rPr lang="pt-BR" smtClean="0"/>
-              <a:t>31/07/2023</a:t>
+              <a:t>07/08/2023</a:t>
             </a:fld>
-            <a:endParaRPr lang="pt-BR"/>
+            <a:endParaRPr lang="pt-BR" dirty="0"/>
           </a:p>
         </p:txBody>
       </p:sp>
@@ -3081,7 +2843,7 @@
           <a:bodyPr/>
           <a:lstStyle/>
           <a:p>
-            <a:endParaRPr lang="pt-BR"/>
+            <a:endParaRPr lang="pt-BR" dirty="0"/>
           </a:p>
         </p:txBody>
       </p:sp>
@@ -3104,7 +2866,7 @@
               <a:rPr lang="pt-BR" smtClean="0"/>
               <a:t>‹nº›</a:t>
             </a:fld>
-            <a:endParaRPr lang="pt-BR"/>
+            <a:endParaRPr lang="pt-BR" dirty="0"/>
           </a:p>
         </p:txBody>
       </p:sp>
@@ -3311,9 +3073,9 @@
           <a:p>
             <a:fld id="{191FE4A8-22CC-4CAA-9760-617E55D42B11}" type="datetimeFigureOut">
               <a:rPr lang="pt-BR" smtClean="0"/>
-              <a:t>31/07/2023</a:t>
+              <a:t>07/08/2023</a:t>
             </a:fld>
-            <a:endParaRPr lang="pt-BR"/>
+            <a:endParaRPr lang="pt-BR" dirty="0"/>
           </a:p>
         </p:txBody>
       </p:sp>
@@ -3332,7 +3094,7 @@
           <a:bodyPr/>
           <a:lstStyle/>
           <a:p>
-            <a:endParaRPr lang="pt-BR"/>
+            <a:endParaRPr lang="pt-BR" dirty="0"/>
           </a:p>
         </p:txBody>
       </p:sp>
@@ -3355,7 +3117,7 @@
               <a:rPr lang="pt-BR" smtClean="0"/>
               <a:t>‹nº›</a:t>
             </a:fld>
-            <a:endParaRPr lang="pt-BR"/>
+            <a:endParaRPr lang="pt-BR" dirty="0"/>
           </a:p>
         </p:txBody>
       </p:sp>
@@ -3656,7 +3418,7 @@
           </a:lstStyle>
           <a:p>
             <a:r>
-              <a:rPr lang="pt-BR"/>
+              <a:rPr lang="pt-BR" dirty="0"/>
               <a:t>Clique no ícone para adicionar uma imagem</a:t>
             </a:r>
             <a:endParaRPr lang="en-US" dirty="0"/>
@@ -3756,9 +3518,9 @@
           <a:p>
             <a:fld id="{191FE4A8-22CC-4CAA-9760-617E55D42B11}" type="datetimeFigureOut">
               <a:rPr lang="pt-BR" smtClean="0"/>
-              <a:t>31/07/2023</a:t>
+              <a:t>07/08/2023</a:t>
             </a:fld>
-            <a:endParaRPr lang="pt-BR"/>
+            <a:endParaRPr lang="pt-BR" dirty="0"/>
           </a:p>
         </p:txBody>
       </p:sp>
@@ -3782,7 +3544,7 @@
           <a:bodyPr/>
           <a:lstStyle/>
           <a:p>
-            <a:endParaRPr lang="pt-BR"/>
+            <a:endParaRPr lang="pt-BR" dirty="0"/>
           </a:p>
         </p:txBody>
       </p:sp>
@@ -3805,7 +3567,7 @@
               <a:rPr lang="pt-BR" smtClean="0"/>
               <a:t>‹nº›</a:t>
             </a:fld>
-            <a:endParaRPr lang="pt-BR"/>
+            <a:endParaRPr lang="pt-BR" dirty="0"/>
           </a:p>
         </p:txBody>
       </p:sp>
@@ -4083,9 +3845,9 @@
           <a:p>
             <a:fld id="{191FE4A8-22CC-4CAA-9760-617E55D42B11}" type="datetimeFigureOut">
               <a:rPr lang="pt-BR" smtClean="0"/>
-              <a:t>31/07/2023</a:t>
+              <a:t>07/08/2023</a:t>
             </a:fld>
-            <a:endParaRPr lang="pt-BR"/>
+            <a:endParaRPr lang="pt-BR" dirty="0"/>
           </a:p>
         </p:txBody>
       </p:sp>
@@ -4122,7 +3884,7 @@
             </a:lvl1pPr>
           </a:lstStyle>
           <a:p>
-            <a:endParaRPr lang="pt-BR"/>
+            <a:endParaRPr lang="pt-BR" dirty="0"/>
           </a:p>
         </p:txBody>
       </p:sp>
@@ -4161,7 +3923,7 @@
               <a:rPr lang="pt-BR" smtClean="0"/>
               <a:t>‹nº›</a:t>
             </a:fld>
-            <a:endParaRPr lang="pt-BR"/>
+            <a:endParaRPr lang="pt-BR" dirty="0"/>
           </a:p>
         </p:txBody>
       </p:sp>
@@ -4646,6 +4408,12 @@
           <a:p>
             <a:r>
               <a:rPr lang="pt-BR" dirty="0"/>
+              <a:t>Aluno:  Guilherme de Azevedo Cabral R.a: 21069304-2</a:t>
+            </a:r>
+          </a:p>
+          <a:p>
+            <a:r>
+              <a:rPr lang="pt-BR" dirty="0"/>
               <a:t>Aluno:  vitor augusto da costa  R.a: 22160460-2</a:t>
             </a:r>
           </a:p>
@@ -4731,38 +4499,17 @@
         <p:spPr/>
         <p:txBody>
           <a:bodyPr>
-            <a:normAutofit fontScale="92500" lnSpcReduction="10000"/>
+            <a:normAutofit/>
           </a:bodyPr>
           <a:lstStyle/>
           <a:p>
-            <a:pPr algn="just">
-              <a:lnSpc>
-                <a:spcPct val="150000"/>
-              </a:lnSpc>
-              <a:spcAft>
-                <a:spcPts val="800"/>
-              </a:spcAft>
-            </a:pPr>
-            <a:r>
-              <a:rPr lang="pt-BR" dirty="0">
+            <a:r>
+              <a:rPr lang="pt-BR" b="0" i="0" dirty="0">
                 <a:effectLst/>
-                <a:latin typeface="Arial" panose="020B0604020202020204" pitchFamily="34" charset="0"/>
-                <a:ea typeface="Arial" panose="020B0604020202020204" pitchFamily="34" charset="0"/>
-                <a:cs typeface="Times New Roman" panose="02020603050405020304" pitchFamily="18" charset="0"/>
+                <a:latin typeface="Söhne"/>
               </a:rPr>
-              <a:t>Realizar uma boa gestão hoteleira é essencial para otimizar os processos e elevar a produtividade. Isso porque ela impacta diretamente na administração e no atendimento. Elevando as chances de oferecer uma experiência positiva aos clientes. Com o avanço da tecnologia e a crescente demanda por serviços no setor hoteleiro, cresce a necessidade de um sistema para gerenciamento de reservas, check-ins e check-outs entre outras funções administrativas. Devido ao avanço e a necessidade de um programa rápido e bem estruturado para atender a necessidade do empreendedor.</a:t>
-            </a:r>
-            <a:endParaRPr lang="pt-BR" dirty="0">
-              <a:effectLst/>
-              <a:latin typeface="Calibri" panose="020F0502020204030204" pitchFamily="34" charset="0"/>
-              <a:ea typeface="Calibri" panose="020F0502020204030204" pitchFamily="34" charset="0"/>
-              <a:cs typeface="Times New Roman" panose="02020603050405020304" pitchFamily="18" charset="0"/>
-            </a:endParaRPr>
-          </a:p>
-          <a:p>
-            <a:endParaRPr lang="pt-BR" dirty="0"/>
-          </a:p>
-          <a:p>
+              <a:t>Realizar uma eficiente gestão hoteleira é fundamental para otimizar processos e aumentar a produtividade. Isso impacta diretamente na administração e no atendimento, melhorando as chances de proporcionar uma experiência positiva aos clientes. Com o avanço da tecnologia e a crescente demanda por serviços no setor hoteleiro, a necessidade de um sistema de gerenciamento se torna essencial para lidar com reservas, check-ins, check-outs e outras tarefas administrativas. Isso se deve ao progresso contínuo e à urgência de um programa eficaz e ágil para atender às necessidades dos empreendedores.</a:t>
+            </a:r>
             <a:endParaRPr lang="pt-BR" dirty="0"/>
           </a:p>
         </p:txBody>
@@ -4818,6 +4565,136 @@
           <a:bodyPr/>
           <a:lstStyle/>
           <a:p>
+            <a:r>
+              <a:rPr lang="pt-BR" dirty="0"/>
+              <a:t>Funcionalidades</a:t>
+            </a:r>
+          </a:p>
+        </p:txBody>
+      </p:sp>
+      <p:sp>
+        <p:nvSpPr>
+          <p:cNvPr id="3" name="Espaço Reservado para Conteúdo 2">
+            <a:extLst>
+              <a:ext uri="{FF2B5EF4-FFF2-40B4-BE49-F238E27FC236}">
+                <a16:creationId xmlns:a16="http://schemas.microsoft.com/office/drawing/2014/main" id="{BE0AE145-7637-7892-B91A-04F954C5F6FC}"/>
+              </a:ext>
+            </a:extLst>
+          </p:cNvPr>
+          <p:cNvSpPr>
+            <a:spLocks noGrp="1"/>
+          </p:cNvSpPr>
+          <p:nvPr>
+            <p:ph idx="1"/>
+          </p:nvPr>
+        </p:nvSpPr>
+        <p:spPr/>
+        <p:txBody>
+          <a:bodyPr>
+            <a:normAutofit/>
+          </a:bodyPr>
+          <a:lstStyle/>
+          <a:p>
+            <a:r>
+              <a:rPr lang="pt-BR" dirty="0"/>
+              <a:t>Cadastrado de Hospedes</a:t>
+            </a:r>
+          </a:p>
+          <a:p>
+            <a:r>
+              <a:rPr lang="pt-BR" dirty="0"/>
+              <a:t>Cadastro de Usuário</a:t>
+            </a:r>
+          </a:p>
+          <a:p>
+            <a:r>
+              <a:rPr lang="pt-BR" dirty="0"/>
+              <a:t>Cadastro de Perfil</a:t>
+            </a:r>
+          </a:p>
+          <a:p>
+            <a:r>
+              <a:rPr lang="pt-BR" dirty="0"/>
+              <a:t>Check-in e Check-out </a:t>
+            </a:r>
+          </a:p>
+          <a:p>
+            <a:r>
+              <a:rPr lang="pt-BR" dirty="0"/>
+              <a:t>Reserva de Quarto </a:t>
+            </a:r>
+          </a:p>
+          <a:p>
+            <a:r>
+              <a:rPr lang="pt-BR" dirty="0"/>
+              <a:t>Mapa de Reserva</a:t>
+            </a:r>
+          </a:p>
+          <a:p>
+            <a:r>
+              <a:rPr lang="pt-BR" dirty="0"/>
+              <a:t>Página Web para Clientes</a:t>
+            </a:r>
+          </a:p>
+          <a:p>
+            <a:endParaRPr lang="pt-BR" dirty="0"/>
+          </a:p>
+          <a:p>
+            <a:endParaRPr lang="pt-BR" dirty="0"/>
+          </a:p>
+        </p:txBody>
+      </p:sp>
+    </p:spTree>
+    <p:extLst>
+      <p:ext uri="{BB962C8B-B14F-4D97-AF65-F5344CB8AC3E}">
+        <p14:creationId xmlns:p14="http://schemas.microsoft.com/office/powerpoint/2010/main" val="1849709248"/>
+      </p:ext>
+    </p:extLst>
+  </p:cSld>
+  <p:clrMapOvr>
+    <a:masterClrMapping/>
+  </p:clrMapOvr>
+</p:sld>
+</file>
+
+<file path=ppt/slides/slide4.xml><?xml version="1.0" encoding="utf-8"?>
+<p:sld xmlns:a="http://schemas.openxmlformats.org/drawingml/2006/main" xmlns:r="http://schemas.openxmlformats.org/officeDocument/2006/relationships" xmlns:p="http://schemas.openxmlformats.org/presentationml/2006/main">
+  <p:cSld>
+    <p:spTree>
+      <p:nvGrpSpPr>
+        <p:cNvPr id="1" name=""/>
+        <p:cNvGrpSpPr/>
+        <p:nvPr/>
+      </p:nvGrpSpPr>
+      <p:grpSpPr>
+        <a:xfrm>
+          <a:off x="0" y="0"/>
+          <a:ext cx="0" cy="0"/>
+          <a:chOff x="0" y="0"/>
+          <a:chExt cx="0" cy="0"/>
+        </a:xfrm>
+      </p:grpSpPr>
+      <p:sp>
+        <p:nvSpPr>
+          <p:cNvPr id="2" name="Título 1">
+            <a:extLst>
+              <a:ext uri="{FF2B5EF4-FFF2-40B4-BE49-F238E27FC236}">
+                <a16:creationId xmlns:a16="http://schemas.microsoft.com/office/drawing/2014/main" id="{90D7A43A-3EFE-5E36-C0F5-7C14CC0F3823}"/>
+              </a:ext>
+            </a:extLst>
+          </p:cNvPr>
+          <p:cNvSpPr>
+            <a:spLocks noGrp="1"/>
+          </p:cNvSpPr>
+          <p:nvPr>
+            <p:ph type="title"/>
+          </p:nvPr>
+        </p:nvSpPr>
+        <p:spPr/>
+        <p:txBody>
+          <a:bodyPr/>
+          <a:lstStyle/>
+          <a:p>
             <a:pPr marL="77470">
               <a:lnSpc>
                 <a:spcPct val="150000"/>
@@ -4875,7 +4752,7 @@
         </p:blipFill>
         <p:spPr>
           <a:xfrm>
-            <a:off x="4888809" y="1850776"/>
+            <a:off x="4825497" y="2345946"/>
             <a:ext cx="2719164" cy="1478570"/>
           </a:xfrm>
           <a:prstGeom prst="rect">
@@ -4916,7 +4793,7 @@
                 <a:latin typeface="Arial" panose="020B0604020202020204" pitchFamily="34" charset="0"/>
                 <a:cs typeface="Arial" panose="020B0604020202020204" pitchFamily="34" charset="0"/>
               </a:rPr>
-              <a:t>Client-Side</a:t>
+              <a:t>Client-side</a:t>
             </a:r>
           </a:p>
         </p:txBody>
@@ -4954,21 +4831,7 @@
                 <a:latin typeface="Arial" panose="020B0604020202020204" pitchFamily="34" charset="0"/>
                 <a:cs typeface="Arial" panose="020B0604020202020204" pitchFamily="34" charset="0"/>
               </a:rPr>
-              <a:t>Server-</a:t>
-            </a:r>
-            <a:r>
-              <a:rPr lang="pt-BR" sz="2000" dirty="0" err="1">
-                <a:latin typeface="Arial" panose="020B0604020202020204" pitchFamily="34" charset="0"/>
-                <a:cs typeface="Arial" panose="020B0604020202020204" pitchFamily="34" charset="0"/>
-              </a:rPr>
-              <a:t>side</a:t>
-            </a:r>
-            <a:r>
-              <a:rPr lang="pt-BR" sz="2000" dirty="0">
-                <a:latin typeface="Arial" panose="020B0604020202020204" pitchFamily="34" charset="0"/>
-                <a:cs typeface="Arial" panose="020B0604020202020204" pitchFamily="34" charset="0"/>
-              </a:rPr>
-              <a:t> (API)</a:t>
+              <a:t>Server-side (API)</a:t>
             </a:r>
           </a:p>
         </p:txBody>
@@ -5042,7 +4905,7 @@
         </p:blipFill>
         <p:spPr>
           <a:xfrm>
-            <a:off x="8197403" y="1554120"/>
+            <a:off x="8197403" y="1573281"/>
             <a:ext cx="2618722" cy="2618722"/>
           </a:xfrm>
           <a:prstGeom prst="rect">
@@ -5052,10 +4915,10 @@
       </p:pic>
       <p:pic>
         <p:nvPicPr>
-          <p:cNvPr id="18" name="Imagem 17">
+          <p:cNvPr id="4" name="Imagem 3">
             <a:extLst>
               <a:ext uri="{FF2B5EF4-FFF2-40B4-BE49-F238E27FC236}">
-                <a16:creationId xmlns:a16="http://schemas.microsoft.com/office/drawing/2014/main" id="{371FC55E-6578-81A1-4978-E486FC1A055A}"/>
+                <a16:creationId xmlns:a16="http://schemas.microsoft.com/office/drawing/2014/main" id="{44DA448B-8E0C-737B-6808-7B41AFCD86F0}"/>
               </a:ext>
             </a:extLst>
           </p:cNvPr>
@@ -5081,1339 +4944,95 @@
         </p:blipFill>
         <p:spPr>
           <a:xfrm>
-            <a:off x="6673403" y="4429890"/>
-            <a:ext cx="1524000" cy="1524000"/>
+            <a:off x="5278373" y="4164909"/>
+            <a:ext cx="1813412" cy="1240676"/>
           </a:xfrm>
           <a:prstGeom prst="rect">
             <a:avLst/>
           </a:prstGeom>
         </p:spPr>
       </p:pic>
+      <p:pic>
+        <p:nvPicPr>
+          <p:cNvPr id="7" name="Imagem 6">
+            <a:extLst>
+              <a:ext uri="{FF2B5EF4-FFF2-40B4-BE49-F238E27FC236}">
+                <a16:creationId xmlns:a16="http://schemas.microsoft.com/office/drawing/2014/main" id="{8FE163F3-486A-DF49-74A6-05A575C176FF}"/>
+              </a:ext>
+            </a:extLst>
+          </p:cNvPr>
+          <p:cNvPicPr>
+            <a:picLocks noChangeAspect="1"/>
+          </p:cNvPicPr>
+          <p:nvPr/>
+        </p:nvPicPr>
+        <p:blipFill>
+          <a:blip r:embed="rId9">
+            <a:extLst>
+              <a:ext uri="{28A0092B-C50C-407E-A947-70E740481C1C}">
+                <a14:useLocalDpi xmlns:a14="http://schemas.microsoft.com/office/drawing/2010/main" val="0"/>
+              </a:ext>
+              <a:ext uri="{837473B0-CC2E-450A-ABE3-18F120FF3D39}">
+                <a1611:picAttrSrcUrl xmlns:a1611="http://schemas.microsoft.com/office/drawing/2016/11/main" r:id="rId10"/>
+              </a:ext>
+            </a:extLst>
+          </a:blip>
+          <a:stretch>
+            <a:fillRect/>
+          </a:stretch>
+        </p:blipFill>
+        <p:spPr>
+          <a:xfrm>
+            <a:off x="8640210" y="4266615"/>
+            <a:ext cx="1733108" cy="1037265"/>
+          </a:xfrm>
+          <a:prstGeom prst="rect">
+            <a:avLst/>
+          </a:prstGeom>
+        </p:spPr>
+      </p:pic>
+      <p:sp>
+        <p:nvSpPr>
+          <p:cNvPr id="10" name="CaixaDeTexto 9">
+            <a:extLst>
+              <a:ext uri="{FF2B5EF4-FFF2-40B4-BE49-F238E27FC236}">
+                <a16:creationId xmlns:a16="http://schemas.microsoft.com/office/drawing/2014/main" id="{61E61556-D783-F195-8AFE-FB12D9E6CC52}"/>
+              </a:ext>
+            </a:extLst>
+          </p:cNvPr>
+          <p:cNvSpPr txBox="1"/>
+          <p:nvPr/>
+        </p:nvSpPr>
+        <p:spPr>
+          <a:xfrm>
+            <a:off x="1249251" y="4239278"/>
+            <a:ext cx="2923504" cy="400110"/>
+          </a:xfrm>
+          <a:prstGeom prst="rect">
+            <a:avLst/>
+          </a:prstGeom>
+          <a:noFill/>
+        </p:spPr>
+        <p:txBody>
+          <a:bodyPr wrap="square" rtlCol="0">
+            <a:spAutoFit/>
+          </a:bodyPr>
+          <a:lstStyle/>
+          <a:p>
+            <a:r>
+              <a:rPr lang="pt-BR" sz="2000" dirty="0">
+                <a:latin typeface="Arial" panose="020B0604020202020204" pitchFamily="34" charset="0"/>
+                <a:cs typeface="Arial" panose="020B0604020202020204" pitchFamily="34" charset="0"/>
+              </a:rPr>
+              <a:t>Infraestrutura</a:t>
+            </a:r>
+          </a:p>
+        </p:txBody>
+      </p:sp>
     </p:spTree>
     <p:extLst>
       <p:ext uri="{BB962C8B-B14F-4D97-AF65-F5344CB8AC3E}">
         <p14:creationId xmlns:p14="http://schemas.microsoft.com/office/powerpoint/2010/main" val="3109659305"/>
-      </p:ext>
-    </p:extLst>
-  </p:cSld>
-  <p:clrMapOvr>
-    <a:masterClrMapping/>
-  </p:clrMapOvr>
-  <p:timing>
-    <p:tnLst>
-      <p:par>
-        <p:cTn id="1" dur="indefinite" restart="never" nodeType="tmRoot">
-          <p:childTnLst>
-            <p:seq concurrent="1" nextAc="seek">
-              <p:cTn id="2" dur="indefinite" nodeType="mainSeq">
-                <p:childTnLst>
-                  <p:par>
-                    <p:cTn id="3" fill="hold">
-                      <p:stCondLst>
-                        <p:cond delay="indefinite"/>
-                      </p:stCondLst>
-                      <p:childTnLst>
-                        <p:par>
-                          <p:cTn id="4" fill="hold">
-                            <p:stCondLst>
-                              <p:cond delay="0"/>
-                            </p:stCondLst>
-                            <p:childTnLst>
-                              <p:par>
-                                <p:cTn id="5" presetID="26" presetClass="entr" presetSubtype="0" fill="hold" nodeType="clickEffect">
-                                  <p:stCondLst>
-                                    <p:cond delay="0"/>
-                                  </p:stCondLst>
-                                  <p:childTnLst>
-                                    <p:set>
-                                      <p:cBhvr>
-                                        <p:cTn id="6" dur="1" fill="hold">
-                                          <p:stCondLst>
-                                            <p:cond delay="0"/>
-                                          </p:stCondLst>
-                                        </p:cTn>
-                                        <p:tgtEl>
-                                          <p:spTgt spid="9"/>
-                                        </p:tgtEl>
-                                        <p:attrNameLst>
-                                          <p:attrName>style.visibility</p:attrName>
-                                        </p:attrNameLst>
-                                      </p:cBhvr>
-                                      <p:to>
-                                        <p:strVal val="visible"/>
-                                      </p:to>
-                                    </p:set>
-                                    <p:animEffect transition="in" filter="wipe(down)">
-                                      <p:cBhvr>
-                                        <p:cTn id="7" dur="580">
-                                          <p:stCondLst>
-                                            <p:cond delay="0"/>
-                                          </p:stCondLst>
-                                        </p:cTn>
-                                        <p:tgtEl>
-                                          <p:spTgt spid="9"/>
-                                        </p:tgtEl>
-                                      </p:cBhvr>
-                                    </p:animEffect>
-                                    <p:anim calcmode="lin" valueType="num">
-                                      <p:cBhvr>
-                                        <p:cTn id="8" dur="1822" tmFilter="0,0; 0.14,0.36; 0.43,0.73; 0.71,0.91; 1.0,1.0">
-                                          <p:stCondLst>
-                                            <p:cond delay="0"/>
-                                          </p:stCondLst>
-                                        </p:cTn>
-                                        <p:tgtEl>
-                                          <p:spTgt spid="9"/>
-                                        </p:tgtEl>
-                                        <p:attrNameLst>
-                                          <p:attrName>ppt_x</p:attrName>
-                                        </p:attrNameLst>
-                                      </p:cBhvr>
-                                      <p:tavLst>
-                                        <p:tav tm="0">
-                                          <p:val>
-                                            <p:strVal val="#ppt_x-0.25"/>
-                                          </p:val>
-                                        </p:tav>
-                                        <p:tav tm="100000">
-                                          <p:val>
-                                            <p:strVal val="#ppt_x"/>
-                                          </p:val>
-                                        </p:tav>
-                                      </p:tavLst>
-                                    </p:anim>
-                                    <p:anim calcmode="lin" valueType="num">
-                                      <p:cBhvr>
-                                        <p:cTn id="9" dur="664" tmFilter="0.0,0.0; 0.25,0.07; 0.50,0.2; 0.75,0.467; 1.0,1.0">
-                                          <p:stCondLst>
-                                            <p:cond delay="0"/>
-                                          </p:stCondLst>
-                                        </p:cTn>
-                                        <p:tgtEl>
-                                          <p:spTgt spid="9"/>
-                                        </p:tgtEl>
-                                        <p:attrNameLst>
-                                          <p:attrName>ppt_y</p:attrName>
-                                        </p:attrNameLst>
-                                      </p:cBhvr>
-                                      <p:tavLst>
-                                        <p:tav tm="0" fmla="#ppt_y-sin(pi*$)/3">
-                                          <p:val>
-                                            <p:fltVal val="0.5"/>
-                                          </p:val>
-                                        </p:tav>
-                                        <p:tav tm="100000">
-                                          <p:val>
-                                            <p:fltVal val="1"/>
-                                          </p:val>
-                                        </p:tav>
-                                      </p:tavLst>
-                                    </p:anim>
-                                    <p:anim calcmode="lin" valueType="num">
-                                      <p:cBhvr>
-                                        <p:cTn id="10" dur="664" tmFilter="0, 0; 0.125,0.2665; 0.25,0.4; 0.375,0.465; 0.5,0.5;  0.625,0.535; 0.75,0.6; 0.875,0.7335; 1,1">
-                                          <p:stCondLst>
-                                            <p:cond delay="664"/>
-                                          </p:stCondLst>
-                                        </p:cTn>
-                                        <p:tgtEl>
-                                          <p:spTgt spid="9"/>
-                                        </p:tgtEl>
-                                        <p:attrNameLst>
-                                          <p:attrName>ppt_y</p:attrName>
-                                        </p:attrNameLst>
-                                      </p:cBhvr>
-                                      <p:tavLst>
-                                        <p:tav tm="0" fmla="#ppt_y-sin(pi*$)/9">
-                                          <p:val>
-                                            <p:fltVal val="0"/>
-                                          </p:val>
-                                        </p:tav>
-                                        <p:tav tm="100000">
-                                          <p:val>
-                                            <p:fltVal val="1"/>
-                                          </p:val>
-                                        </p:tav>
-                                      </p:tavLst>
-                                    </p:anim>
-                                    <p:anim calcmode="lin" valueType="num">
-                                      <p:cBhvr>
-                                        <p:cTn id="11" dur="332" tmFilter="0, 0; 0.125,0.2665; 0.25,0.4; 0.375,0.465; 0.5,0.5;  0.625,0.535; 0.75,0.6; 0.875,0.7335; 1,1">
-                                          <p:stCondLst>
-                                            <p:cond delay="1324"/>
-                                          </p:stCondLst>
-                                        </p:cTn>
-                                        <p:tgtEl>
-                                          <p:spTgt spid="9"/>
-                                        </p:tgtEl>
-                                        <p:attrNameLst>
-                                          <p:attrName>ppt_y</p:attrName>
-                                        </p:attrNameLst>
-                                      </p:cBhvr>
-                                      <p:tavLst>
-                                        <p:tav tm="0" fmla="#ppt_y-sin(pi*$)/27">
-                                          <p:val>
-                                            <p:fltVal val="0"/>
-                                          </p:val>
-                                        </p:tav>
-                                        <p:tav tm="100000">
-                                          <p:val>
-                                            <p:fltVal val="1"/>
-                                          </p:val>
-                                        </p:tav>
-                                      </p:tavLst>
-                                    </p:anim>
-                                    <p:anim calcmode="lin" valueType="num">
-                                      <p:cBhvr>
-                                        <p:cTn id="12" dur="164" tmFilter="0, 0; 0.125,0.2665; 0.25,0.4; 0.375,0.465; 0.5,0.5;  0.625,0.535; 0.75,0.6; 0.875,0.7335; 1,1">
-                                          <p:stCondLst>
-                                            <p:cond delay="1656"/>
-                                          </p:stCondLst>
-                                        </p:cTn>
-                                        <p:tgtEl>
-                                          <p:spTgt spid="9"/>
-                                        </p:tgtEl>
-                                        <p:attrNameLst>
-                                          <p:attrName>ppt_y</p:attrName>
-                                        </p:attrNameLst>
-                                      </p:cBhvr>
-                                      <p:tavLst>
-                                        <p:tav tm="0" fmla="#ppt_y-sin(pi*$)/81">
-                                          <p:val>
-                                            <p:fltVal val="0"/>
-                                          </p:val>
-                                        </p:tav>
-                                        <p:tav tm="100000">
-                                          <p:val>
-                                            <p:fltVal val="1"/>
-                                          </p:val>
-                                        </p:tav>
-                                      </p:tavLst>
-                                    </p:anim>
-                                    <p:animScale>
-                                      <p:cBhvr>
-                                        <p:cTn id="13" dur="26">
-                                          <p:stCondLst>
-                                            <p:cond delay="650"/>
-                                          </p:stCondLst>
-                                        </p:cTn>
-                                        <p:tgtEl>
-                                          <p:spTgt spid="9"/>
-                                        </p:tgtEl>
-                                      </p:cBhvr>
-                                      <p:to x="100000" y="60000"/>
-                                    </p:animScale>
-                                    <p:animScale>
-                                      <p:cBhvr>
-                                        <p:cTn id="14" dur="166" decel="50000">
-                                          <p:stCondLst>
-                                            <p:cond delay="676"/>
-                                          </p:stCondLst>
-                                        </p:cTn>
-                                        <p:tgtEl>
-                                          <p:spTgt spid="9"/>
-                                        </p:tgtEl>
-                                      </p:cBhvr>
-                                      <p:to x="100000" y="100000"/>
-                                    </p:animScale>
-                                    <p:animScale>
-                                      <p:cBhvr>
-                                        <p:cTn id="15" dur="26">
-                                          <p:stCondLst>
-                                            <p:cond delay="1312"/>
-                                          </p:stCondLst>
-                                        </p:cTn>
-                                        <p:tgtEl>
-                                          <p:spTgt spid="9"/>
-                                        </p:tgtEl>
-                                      </p:cBhvr>
-                                      <p:to x="100000" y="80000"/>
-                                    </p:animScale>
-                                    <p:animScale>
-                                      <p:cBhvr>
-                                        <p:cTn id="16" dur="166" decel="50000">
-                                          <p:stCondLst>
-                                            <p:cond delay="1338"/>
-                                          </p:stCondLst>
-                                        </p:cTn>
-                                        <p:tgtEl>
-                                          <p:spTgt spid="9"/>
-                                        </p:tgtEl>
-                                      </p:cBhvr>
-                                      <p:to x="100000" y="100000"/>
-                                    </p:animScale>
-                                    <p:animScale>
-                                      <p:cBhvr>
-                                        <p:cTn id="17" dur="26">
-                                          <p:stCondLst>
-                                            <p:cond delay="1642"/>
-                                          </p:stCondLst>
-                                        </p:cTn>
-                                        <p:tgtEl>
-                                          <p:spTgt spid="9"/>
-                                        </p:tgtEl>
-                                      </p:cBhvr>
-                                      <p:to x="100000" y="90000"/>
-                                    </p:animScale>
-                                    <p:animScale>
-                                      <p:cBhvr>
-                                        <p:cTn id="18" dur="166" decel="50000">
-                                          <p:stCondLst>
-                                            <p:cond delay="1668"/>
-                                          </p:stCondLst>
-                                        </p:cTn>
-                                        <p:tgtEl>
-                                          <p:spTgt spid="9"/>
-                                        </p:tgtEl>
-                                      </p:cBhvr>
-                                      <p:to x="100000" y="100000"/>
-                                    </p:animScale>
-                                    <p:animScale>
-                                      <p:cBhvr>
-                                        <p:cTn id="19" dur="26">
-                                          <p:stCondLst>
-                                            <p:cond delay="1808"/>
-                                          </p:stCondLst>
-                                        </p:cTn>
-                                        <p:tgtEl>
-                                          <p:spTgt spid="9"/>
-                                        </p:tgtEl>
-                                      </p:cBhvr>
-                                      <p:to x="100000" y="95000"/>
-                                    </p:animScale>
-                                    <p:animScale>
-                                      <p:cBhvr>
-                                        <p:cTn id="20" dur="166" decel="50000">
-                                          <p:stCondLst>
-                                            <p:cond delay="1834"/>
-                                          </p:stCondLst>
-                                        </p:cTn>
-                                        <p:tgtEl>
-                                          <p:spTgt spid="9"/>
-                                        </p:tgtEl>
-                                      </p:cBhvr>
-                                      <p:to x="100000" y="100000"/>
-                                    </p:animScale>
-                                  </p:childTnLst>
-                                </p:cTn>
-                              </p:par>
-                            </p:childTnLst>
-                          </p:cTn>
-                        </p:par>
-                      </p:childTnLst>
-                    </p:cTn>
-                  </p:par>
-                  <p:par>
-                    <p:cTn id="21" fill="hold">
-                      <p:stCondLst>
-                        <p:cond delay="indefinite"/>
-                      </p:stCondLst>
-                      <p:childTnLst>
-                        <p:par>
-                          <p:cTn id="22" fill="hold">
-                            <p:stCondLst>
-                              <p:cond delay="0"/>
-                            </p:stCondLst>
-                            <p:childTnLst>
-                              <p:par>
-                                <p:cTn id="23" presetID="26" presetClass="entr" presetSubtype="0" fill="hold" nodeType="clickEffect">
-                                  <p:stCondLst>
-                                    <p:cond delay="0"/>
-                                  </p:stCondLst>
-                                  <p:childTnLst>
-                                    <p:set>
-                                      <p:cBhvr>
-                                        <p:cTn id="24" dur="1" fill="hold">
-                                          <p:stCondLst>
-                                            <p:cond delay="0"/>
-                                          </p:stCondLst>
-                                        </p:cTn>
-                                        <p:tgtEl>
-                                          <p:spTgt spid="18"/>
-                                        </p:tgtEl>
-                                        <p:attrNameLst>
-                                          <p:attrName>style.visibility</p:attrName>
-                                        </p:attrNameLst>
-                                      </p:cBhvr>
-                                      <p:to>
-                                        <p:strVal val="visible"/>
-                                      </p:to>
-                                    </p:set>
-                                    <p:animEffect transition="in" filter="wipe(down)">
-                                      <p:cBhvr>
-                                        <p:cTn id="25" dur="580">
-                                          <p:stCondLst>
-                                            <p:cond delay="0"/>
-                                          </p:stCondLst>
-                                        </p:cTn>
-                                        <p:tgtEl>
-                                          <p:spTgt spid="18"/>
-                                        </p:tgtEl>
-                                      </p:cBhvr>
-                                    </p:animEffect>
-                                    <p:anim calcmode="lin" valueType="num">
-                                      <p:cBhvr>
-                                        <p:cTn id="26" dur="1822" tmFilter="0,0; 0.14,0.36; 0.43,0.73; 0.71,0.91; 1.0,1.0">
-                                          <p:stCondLst>
-                                            <p:cond delay="0"/>
-                                          </p:stCondLst>
-                                        </p:cTn>
-                                        <p:tgtEl>
-                                          <p:spTgt spid="18"/>
-                                        </p:tgtEl>
-                                        <p:attrNameLst>
-                                          <p:attrName>ppt_x</p:attrName>
-                                        </p:attrNameLst>
-                                      </p:cBhvr>
-                                      <p:tavLst>
-                                        <p:tav tm="0">
-                                          <p:val>
-                                            <p:strVal val="#ppt_x-0.25"/>
-                                          </p:val>
-                                        </p:tav>
-                                        <p:tav tm="100000">
-                                          <p:val>
-                                            <p:strVal val="#ppt_x"/>
-                                          </p:val>
-                                        </p:tav>
-                                      </p:tavLst>
-                                    </p:anim>
-                                    <p:anim calcmode="lin" valueType="num">
-                                      <p:cBhvr>
-                                        <p:cTn id="27" dur="664" tmFilter="0.0,0.0; 0.25,0.07; 0.50,0.2; 0.75,0.467; 1.0,1.0">
-                                          <p:stCondLst>
-                                            <p:cond delay="0"/>
-                                          </p:stCondLst>
-                                        </p:cTn>
-                                        <p:tgtEl>
-                                          <p:spTgt spid="18"/>
-                                        </p:tgtEl>
-                                        <p:attrNameLst>
-                                          <p:attrName>ppt_y</p:attrName>
-                                        </p:attrNameLst>
-                                      </p:cBhvr>
-                                      <p:tavLst>
-                                        <p:tav tm="0" fmla="#ppt_y-sin(pi*$)/3">
-                                          <p:val>
-                                            <p:fltVal val="0.5"/>
-                                          </p:val>
-                                        </p:tav>
-                                        <p:tav tm="100000">
-                                          <p:val>
-                                            <p:fltVal val="1"/>
-                                          </p:val>
-                                        </p:tav>
-                                      </p:tavLst>
-                                    </p:anim>
-                                    <p:anim calcmode="lin" valueType="num">
-                                      <p:cBhvr>
-                                        <p:cTn id="28" dur="664" tmFilter="0, 0; 0.125,0.2665; 0.25,0.4; 0.375,0.465; 0.5,0.5;  0.625,0.535; 0.75,0.6; 0.875,0.7335; 1,1">
-                                          <p:stCondLst>
-                                            <p:cond delay="664"/>
-                                          </p:stCondLst>
-                                        </p:cTn>
-                                        <p:tgtEl>
-                                          <p:spTgt spid="18"/>
-                                        </p:tgtEl>
-                                        <p:attrNameLst>
-                                          <p:attrName>ppt_y</p:attrName>
-                                        </p:attrNameLst>
-                                      </p:cBhvr>
-                                      <p:tavLst>
-                                        <p:tav tm="0" fmla="#ppt_y-sin(pi*$)/9">
-                                          <p:val>
-                                            <p:fltVal val="0"/>
-                                          </p:val>
-                                        </p:tav>
-                                        <p:tav tm="100000">
-                                          <p:val>
-                                            <p:fltVal val="1"/>
-                                          </p:val>
-                                        </p:tav>
-                                      </p:tavLst>
-                                    </p:anim>
-                                    <p:anim calcmode="lin" valueType="num">
-                                      <p:cBhvr>
-                                        <p:cTn id="29" dur="332" tmFilter="0, 0; 0.125,0.2665; 0.25,0.4; 0.375,0.465; 0.5,0.5;  0.625,0.535; 0.75,0.6; 0.875,0.7335; 1,1">
-                                          <p:stCondLst>
-                                            <p:cond delay="1324"/>
-                                          </p:stCondLst>
-                                        </p:cTn>
-                                        <p:tgtEl>
-                                          <p:spTgt spid="18"/>
-                                        </p:tgtEl>
-                                        <p:attrNameLst>
-                                          <p:attrName>ppt_y</p:attrName>
-                                        </p:attrNameLst>
-                                      </p:cBhvr>
-                                      <p:tavLst>
-                                        <p:tav tm="0" fmla="#ppt_y-sin(pi*$)/27">
-                                          <p:val>
-                                            <p:fltVal val="0"/>
-                                          </p:val>
-                                        </p:tav>
-                                        <p:tav tm="100000">
-                                          <p:val>
-                                            <p:fltVal val="1"/>
-                                          </p:val>
-                                        </p:tav>
-                                      </p:tavLst>
-                                    </p:anim>
-                                    <p:anim calcmode="lin" valueType="num">
-                                      <p:cBhvr>
-                                        <p:cTn id="30" dur="164" tmFilter="0, 0; 0.125,0.2665; 0.25,0.4; 0.375,0.465; 0.5,0.5;  0.625,0.535; 0.75,0.6; 0.875,0.7335; 1,1">
-                                          <p:stCondLst>
-                                            <p:cond delay="1656"/>
-                                          </p:stCondLst>
-                                        </p:cTn>
-                                        <p:tgtEl>
-                                          <p:spTgt spid="18"/>
-                                        </p:tgtEl>
-                                        <p:attrNameLst>
-                                          <p:attrName>ppt_y</p:attrName>
-                                        </p:attrNameLst>
-                                      </p:cBhvr>
-                                      <p:tavLst>
-                                        <p:tav tm="0" fmla="#ppt_y-sin(pi*$)/81">
-                                          <p:val>
-                                            <p:fltVal val="0"/>
-                                          </p:val>
-                                        </p:tav>
-                                        <p:tav tm="100000">
-                                          <p:val>
-                                            <p:fltVal val="1"/>
-                                          </p:val>
-                                        </p:tav>
-                                      </p:tavLst>
-                                    </p:anim>
-                                    <p:animScale>
-                                      <p:cBhvr>
-                                        <p:cTn id="31" dur="26">
-                                          <p:stCondLst>
-                                            <p:cond delay="650"/>
-                                          </p:stCondLst>
-                                        </p:cTn>
-                                        <p:tgtEl>
-                                          <p:spTgt spid="18"/>
-                                        </p:tgtEl>
-                                      </p:cBhvr>
-                                      <p:to x="100000" y="60000"/>
-                                    </p:animScale>
-                                    <p:animScale>
-                                      <p:cBhvr>
-                                        <p:cTn id="32" dur="166" decel="50000">
-                                          <p:stCondLst>
-                                            <p:cond delay="676"/>
-                                          </p:stCondLst>
-                                        </p:cTn>
-                                        <p:tgtEl>
-                                          <p:spTgt spid="18"/>
-                                        </p:tgtEl>
-                                      </p:cBhvr>
-                                      <p:to x="100000" y="100000"/>
-                                    </p:animScale>
-                                    <p:animScale>
-                                      <p:cBhvr>
-                                        <p:cTn id="33" dur="26">
-                                          <p:stCondLst>
-                                            <p:cond delay="1312"/>
-                                          </p:stCondLst>
-                                        </p:cTn>
-                                        <p:tgtEl>
-                                          <p:spTgt spid="18"/>
-                                        </p:tgtEl>
-                                      </p:cBhvr>
-                                      <p:to x="100000" y="80000"/>
-                                    </p:animScale>
-                                    <p:animScale>
-                                      <p:cBhvr>
-                                        <p:cTn id="34" dur="166" decel="50000">
-                                          <p:stCondLst>
-                                            <p:cond delay="1338"/>
-                                          </p:stCondLst>
-                                        </p:cTn>
-                                        <p:tgtEl>
-                                          <p:spTgt spid="18"/>
-                                        </p:tgtEl>
-                                      </p:cBhvr>
-                                      <p:to x="100000" y="100000"/>
-                                    </p:animScale>
-                                    <p:animScale>
-                                      <p:cBhvr>
-                                        <p:cTn id="35" dur="26">
-                                          <p:stCondLst>
-                                            <p:cond delay="1642"/>
-                                          </p:stCondLst>
-                                        </p:cTn>
-                                        <p:tgtEl>
-                                          <p:spTgt spid="18"/>
-                                        </p:tgtEl>
-                                      </p:cBhvr>
-                                      <p:to x="100000" y="90000"/>
-                                    </p:animScale>
-                                    <p:animScale>
-                                      <p:cBhvr>
-                                        <p:cTn id="36" dur="166" decel="50000">
-                                          <p:stCondLst>
-                                            <p:cond delay="1668"/>
-                                          </p:stCondLst>
-                                        </p:cTn>
-                                        <p:tgtEl>
-                                          <p:spTgt spid="18"/>
-                                        </p:tgtEl>
-                                      </p:cBhvr>
-                                      <p:to x="100000" y="100000"/>
-                                    </p:animScale>
-                                    <p:animScale>
-                                      <p:cBhvr>
-                                        <p:cTn id="37" dur="26">
-                                          <p:stCondLst>
-                                            <p:cond delay="1808"/>
-                                          </p:stCondLst>
-                                        </p:cTn>
-                                        <p:tgtEl>
-                                          <p:spTgt spid="18"/>
-                                        </p:tgtEl>
-                                      </p:cBhvr>
-                                      <p:to x="100000" y="95000"/>
-                                    </p:animScale>
-                                    <p:animScale>
-                                      <p:cBhvr>
-                                        <p:cTn id="38" dur="166" decel="50000">
-                                          <p:stCondLst>
-                                            <p:cond delay="1834"/>
-                                          </p:stCondLst>
-                                        </p:cTn>
-                                        <p:tgtEl>
-                                          <p:spTgt spid="18"/>
-                                        </p:tgtEl>
-                                      </p:cBhvr>
-                                      <p:to x="100000" y="100000"/>
-                                    </p:animScale>
-                                  </p:childTnLst>
-                                </p:cTn>
-                              </p:par>
-                            </p:childTnLst>
-                          </p:cTn>
-                        </p:par>
-                      </p:childTnLst>
-                    </p:cTn>
-                  </p:par>
-                  <p:par>
-                    <p:cTn id="39" fill="hold">
-                      <p:stCondLst>
-                        <p:cond delay="indefinite"/>
-                      </p:stCondLst>
-                      <p:childTnLst>
-                        <p:par>
-                          <p:cTn id="40" fill="hold">
-                            <p:stCondLst>
-                              <p:cond delay="0"/>
-                            </p:stCondLst>
-                            <p:childTnLst>
-                              <p:par>
-                                <p:cTn id="41" presetID="26" presetClass="entr" presetSubtype="0" fill="hold" nodeType="clickEffect">
-                                  <p:stCondLst>
-                                    <p:cond delay="0"/>
-                                  </p:stCondLst>
-                                  <p:childTnLst>
-                                    <p:set>
-                                      <p:cBhvr>
-                                        <p:cTn id="42" dur="1" fill="hold">
-                                          <p:stCondLst>
-                                            <p:cond delay="0"/>
-                                          </p:stCondLst>
-                                        </p:cTn>
-                                        <p:tgtEl>
-                                          <p:spTgt spid="15"/>
-                                        </p:tgtEl>
-                                        <p:attrNameLst>
-                                          <p:attrName>style.visibility</p:attrName>
-                                        </p:attrNameLst>
-                                      </p:cBhvr>
-                                      <p:to>
-                                        <p:strVal val="visible"/>
-                                      </p:to>
-                                    </p:set>
-                                    <p:animEffect transition="in" filter="wipe(down)">
-                                      <p:cBhvr>
-                                        <p:cTn id="43" dur="580">
-                                          <p:stCondLst>
-                                            <p:cond delay="0"/>
-                                          </p:stCondLst>
-                                        </p:cTn>
-                                        <p:tgtEl>
-                                          <p:spTgt spid="15"/>
-                                        </p:tgtEl>
-                                      </p:cBhvr>
-                                    </p:animEffect>
-                                    <p:anim calcmode="lin" valueType="num">
-                                      <p:cBhvr>
-                                        <p:cTn id="44" dur="1822" tmFilter="0,0; 0.14,0.36; 0.43,0.73; 0.71,0.91; 1.0,1.0">
-                                          <p:stCondLst>
-                                            <p:cond delay="0"/>
-                                          </p:stCondLst>
-                                        </p:cTn>
-                                        <p:tgtEl>
-                                          <p:spTgt spid="15"/>
-                                        </p:tgtEl>
-                                        <p:attrNameLst>
-                                          <p:attrName>ppt_x</p:attrName>
-                                        </p:attrNameLst>
-                                      </p:cBhvr>
-                                      <p:tavLst>
-                                        <p:tav tm="0">
-                                          <p:val>
-                                            <p:strVal val="#ppt_x-0.25"/>
-                                          </p:val>
-                                        </p:tav>
-                                        <p:tav tm="100000">
-                                          <p:val>
-                                            <p:strVal val="#ppt_x"/>
-                                          </p:val>
-                                        </p:tav>
-                                      </p:tavLst>
-                                    </p:anim>
-                                    <p:anim calcmode="lin" valueType="num">
-                                      <p:cBhvr>
-                                        <p:cTn id="45" dur="664" tmFilter="0.0,0.0; 0.25,0.07; 0.50,0.2; 0.75,0.467; 1.0,1.0">
-                                          <p:stCondLst>
-                                            <p:cond delay="0"/>
-                                          </p:stCondLst>
-                                        </p:cTn>
-                                        <p:tgtEl>
-                                          <p:spTgt spid="15"/>
-                                        </p:tgtEl>
-                                        <p:attrNameLst>
-                                          <p:attrName>ppt_y</p:attrName>
-                                        </p:attrNameLst>
-                                      </p:cBhvr>
-                                      <p:tavLst>
-                                        <p:tav tm="0" fmla="#ppt_y-sin(pi*$)/3">
-                                          <p:val>
-                                            <p:fltVal val="0.5"/>
-                                          </p:val>
-                                        </p:tav>
-                                        <p:tav tm="100000">
-                                          <p:val>
-                                            <p:fltVal val="1"/>
-                                          </p:val>
-                                        </p:tav>
-                                      </p:tavLst>
-                                    </p:anim>
-                                    <p:anim calcmode="lin" valueType="num">
-                                      <p:cBhvr>
-                                        <p:cTn id="46" dur="664" tmFilter="0, 0; 0.125,0.2665; 0.25,0.4; 0.375,0.465; 0.5,0.5;  0.625,0.535; 0.75,0.6; 0.875,0.7335; 1,1">
-                                          <p:stCondLst>
-                                            <p:cond delay="664"/>
-                                          </p:stCondLst>
-                                        </p:cTn>
-                                        <p:tgtEl>
-                                          <p:spTgt spid="15"/>
-                                        </p:tgtEl>
-                                        <p:attrNameLst>
-                                          <p:attrName>ppt_y</p:attrName>
-                                        </p:attrNameLst>
-                                      </p:cBhvr>
-                                      <p:tavLst>
-                                        <p:tav tm="0" fmla="#ppt_y-sin(pi*$)/9">
-                                          <p:val>
-                                            <p:fltVal val="0"/>
-                                          </p:val>
-                                        </p:tav>
-                                        <p:tav tm="100000">
-                                          <p:val>
-                                            <p:fltVal val="1"/>
-                                          </p:val>
-                                        </p:tav>
-                                      </p:tavLst>
-                                    </p:anim>
-                                    <p:anim calcmode="lin" valueType="num">
-                                      <p:cBhvr>
-                                        <p:cTn id="47" dur="332" tmFilter="0, 0; 0.125,0.2665; 0.25,0.4; 0.375,0.465; 0.5,0.5;  0.625,0.535; 0.75,0.6; 0.875,0.7335; 1,1">
-                                          <p:stCondLst>
-                                            <p:cond delay="1324"/>
-                                          </p:stCondLst>
-                                        </p:cTn>
-                                        <p:tgtEl>
-                                          <p:spTgt spid="15"/>
-                                        </p:tgtEl>
-                                        <p:attrNameLst>
-                                          <p:attrName>ppt_y</p:attrName>
-                                        </p:attrNameLst>
-                                      </p:cBhvr>
-                                      <p:tavLst>
-                                        <p:tav tm="0" fmla="#ppt_y-sin(pi*$)/27">
-                                          <p:val>
-                                            <p:fltVal val="0"/>
-                                          </p:val>
-                                        </p:tav>
-                                        <p:tav tm="100000">
-                                          <p:val>
-                                            <p:fltVal val="1"/>
-                                          </p:val>
-                                        </p:tav>
-                                      </p:tavLst>
-                                    </p:anim>
-                                    <p:anim calcmode="lin" valueType="num">
-                                      <p:cBhvr>
-                                        <p:cTn id="48" dur="164" tmFilter="0, 0; 0.125,0.2665; 0.25,0.4; 0.375,0.465; 0.5,0.5;  0.625,0.535; 0.75,0.6; 0.875,0.7335; 1,1">
-                                          <p:stCondLst>
-                                            <p:cond delay="1656"/>
-                                          </p:stCondLst>
-                                        </p:cTn>
-                                        <p:tgtEl>
-                                          <p:spTgt spid="15"/>
-                                        </p:tgtEl>
-                                        <p:attrNameLst>
-                                          <p:attrName>ppt_y</p:attrName>
-                                        </p:attrNameLst>
-                                      </p:cBhvr>
-                                      <p:tavLst>
-                                        <p:tav tm="0" fmla="#ppt_y-sin(pi*$)/81">
-                                          <p:val>
-                                            <p:fltVal val="0"/>
-                                          </p:val>
-                                        </p:tav>
-                                        <p:tav tm="100000">
-                                          <p:val>
-                                            <p:fltVal val="1"/>
-                                          </p:val>
-                                        </p:tav>
-                                      </p:tavLst>
-                                    </p:anim>
-                                    <p:animScale>
-                                      <p:cBhvr>
-                                        <p:cTn id="49" dur="26">
-                                          <p:stCondLst>
-                                            <p:cond delay="650"/>
-                                          </p:stCondLst>
-                                        </p:cTn>
-                                        <p:tgtEl>
-                                          <p:spTgt spid="15"/>
-                                        </p:tgtEl>
-                                      </p:cBhvr>
-                                      <p:to x="100000" y="60000"/>
-                                    </p:animScale>
-                                    <p:animScale>
-                                      <p:cBhvr>
-                                        <p:cTn id="50" dur="166" decel="50000">
-                                          <p:stCondLst>
-                                            <p:cond delay="676"/>
-                                          </p:stCondLst>
-                                        </p:cTn>
-                                        <p:tgtEl>
-                                          <p:spTgt spid="15"/>
-                                        </p:tgtEl>
-                                      </p:cBhvr>
-                                      <p:to x="100000" y="100000"/>
-                                    </p:animScale>
-                                    <p:animScale>
-                                      <p:cBhvr>
-                                        <p:cTn id="51" dur="26">
-                                          <p:stCondLst>
-                                            <p:cond delay="1312"/>
-                                          </p:stCondLst>
-                                        </p:cTn>
-                                        <p:tgtEl>
-                                          <p:spTgt spid="15"/>
-                                        </p:tgtEl>
-                                      </p:cBhvr>
-                                      <p:to x="100000" y="80000"/>
-                                    </p:animScale>
-                                    <p:animScale>
-                                      <p:cBhvr>
-                                        <p:cTn id="52" dur="166" decel="50000">
-                                          <p:stCondLst>
-                                            <p:cond delay="1338"/>
-                                          </p:stCondLst>
-                                        </p:cTn>
-                                        <p:tgtEl>
-                                          <p:spTgt spid="15"/>
-                                        </p:tgtEl>
-                                      </p:cBhvr>
-                                      <p:to x="100000" y="100000"/>
-                                    </p:animScale>
-                                    <p:animScale>
-                                      <p:cBhvr>
-                                        <p:cTn id="53" dur="26">
-                                          <p:stCondLst>
-                                            <p:cond delay="1642"/>
-                                          </p:stCondLst>
-                                        </p:cTn>
-                                        <p:tgtEl>
-                                          <p:spTgt spid="15"/>
-                                        </p:tgtEl>
-                                      </p:cBhvr>
-                                      <p:to x="100000" y="90000"/>
-                                    </p:animScale>
-                                    <p:animScale>
-                                      <p:cBhvr>
-                                        <p:cTn id="54" dur="166" decel="50000">
-                                          <p:stCondLst>
-                                            <p:cond delay="1668"/>
-                                          </p:stCondLst>
-                                        </p:cTn>
-                                        <p:tgtEl>
-                                          <p:spTgt spid="15"/>
-                                        </p:tgtEl>
-                                      </p:cBhvr>
-                                      <p:to x="100000" y="100000"/>
-                                    </p:animScale>
-                                    <p:animScale>
-                                      <p:cBhvr>
-                                        <p:cTn id="55" dur="26">
-                                          <p:stCondLst>
-                                            <p:cond delay="1808"/>
-                                          </p:stCondLst>
-                                        </p:cTn>
-                                        <p:tgtEl>
-                                          <p:spTgt spid="15"/>
-                                        </p:tgtEl>
-                                      </p:cBhvr>
-                                      <p:to x="100000" y="95000"/>
-                                    </p:animScale>
-                                    <p:animScale>
-                                      <p:cBhvr>
-                                        <p:cTn id="56" dur="166" decel="50000">
-                                          <p:stCondLst>
-                                            <p:cond delay="1834"/>
-                                          </p:stCondLst>
-                                        </p:cTn>
-                                        <p:tgtEl>
-                                          <p:spTgt spid="15"/>
-                                        </p:tgtEl>
-                                      </p:cBhvr>
-                                      <p:to x="100000" y="100000"/>
-                                    </p:animScale>
-                                  </p:childTnLst>
-                                </p:cTn>
-                              </p:par>
-                            </p:childTnLst>
-                          </p:cTn>
-                        </p:par>
-                      </p:childTnLst>
-                    </p:cTn>
-                  </p:par>
-                </p:childTnLst>
-              </p:cTn>
-              <p:prevCondLst>
-                <p:cond evt="onPrev" delay="0">
-                  <p:tgtEl>
-                    <p:sldTgt/>
-                  </p:tgtEl>
-                </p:cond>
-              </p:prevCondLst>
-              <p:nextCondLst>
-                <p:cond evt="onNext" delay="0">
-                  <p:tgtEl>
-                    <p:sldTgt/>
-                  </p:tgtEl>
-                </p:cond>
-              </p:nextCondLst>
-            </p:seq>
-          </p:childTnLst>
-        </p:cTn>
-      </p:par>
-    </p:tnLst>
-  </p:timing>
-</p:sld>
-</file>
-
-<file path=ppt/slides/slide4.xml><?xml version="1.0" encoding="utf-8"?>
-<p:sld xmlns:a="http://schemas.openxmlformats.org/drawingml/2006/main" xmlns:r="http://schemas.openxmlformats.org/officeDocument/2006/relationships" xmlns:p="http://schemas.openxmlformats.org/presentationml/2006/main">
-  <p:cSld>
-    <p:spTree>
-      <p:nvGrpSpPr>
-        <p:cNvPr id="1" name=""/>
-        <p:cNvGrpSpPr/>
-        <p:nvPr/>
-      </p:nvGrpSpPr>
-      <p:grpSpPr>
-        <a:xfrm>
-          <a:off x="0" y="0"/>
-          <a:ext cx="0" cy="0"/>
-          <a:chOff x="0" y="0"/>
-          <a:chExt cx="0" cy="0"/>
-        </a:xfrm>
-      </p:grpSpPr>
-      <p:sp>
-        <p:nvSpPr>
-          <p:cNvPr id="2" name="Título 1">
-            <a:extLst>
-              <a:ext uri="{FF2B5EF4-FFF2-40B4-BE49-F238E27FC236}">
-                <a16:creationId xmlns:a16="http://schemas.microsoft.com/office/drawing/2014/main" id="{90D7A43A-3EFE-5E36-C0F5-7C14CC0F3823}"/>
-              </a:ext>
-            </a:extLst>
-          </p:cNvPr>
-          <p:cNvSpPr>
-            <a:spLocks noGrp="1"/>
-          </p:cNvSpPr>
-          <p:nvPr>
-            <p:ph type="title"/>
-          </p:nvPr>
-        </p:nvSpPr>
-        <p:spPr/>
-        <p:txBody>
-          <a:bodyPr/>
-          <a:lstStyle/>
-          <a:p>
-            <a:r>
-              <a:rPr lang="pt-BR" dirty="0"/>
-              <a:t>MVP</a:t>
-            </a:r>
-          </a:p>
-        </p:txBody>
-      </p:sp>
-      <p:sp>
-        <p:nvSpPr>
-          <p:cNvPr id="3" name="Espaço Reservado para Conteúdo 2">
-            <a:extLst>
-              <a:ext uri="{FF2B5EF4-FFF2-40B4-BE49-F238E27FC236}">
-                <a16:creationId xmlns:a16="http://schemas.microsoft.com/office/drawing/2014/main" id="{BE0AE145-7637-7892-B91A-04F954C5F6FC}"/>
-              </a:ext>
-            </a:extLst>
-          </p:cNvPr>
-          <p:cNvSpPr>
-            <a:spLocks noGrp="1"/>
-          </p:cNvSpPr>
-          <p:nvPr>
-            <p:ph idx="1"/>
-          </p:nvPr>
-        </p:nvSpPr>
-        <p:spPr/>
-        <p:txBody>
-          <a:bodyPr>
-            <a:normAutofit/>
-          </a:bodyPr>
-          <a:lstStyle/>
-          <a:p>
-            <a:pPr marL="342900" lvl="0" indent="-342900" algn="just">
-              <a:lnSpc>
-                <a:spcPct val="150000"/>
-              </a:lnSpc>
-              <a:buFont typeface="+mj-lt"/>
-              <a:buAutoNum type="arabicPeriod"/>
-            </a:pPr>
-            <a:r>
-              <a:rPr lang="pt-BR" sz="1800" dirty="0">
-                <a:effectLst/>
-                <a:latin typeface="Arial" panose="020B0604020202020204" pitchFamily="34" charset="0"/>
-                <a:ea typeface="Arial" panose="020B0604020202020204" pitchFamily="34" charset="0"/>
-                <a:cs typeface="Arial" panose="020B0604020202020204" pitchFamily="34" charset="0"/>
-              </a:rPr>
-              <a:t>Cadastro básico do hóspede: permitir a inclusão das informações básicas do hóspede, como nome, sobrenome, endereço, telefone, e-mail e número de documento. </a:t>
-            </a:r>
-            <a:endParaRPr lang="pt-BR" sz="1800" dirty="0">
-              <a:effectLst/>
-              <a:latin typeface="Arial" panose="020B0604020202020204" pitchFamily="34" charset="0"/>
-              <a:ea typeface="Calibri" panose="020F0502020204030204" pitchFamily="34" charset="0"/>
-              <a:cs typeface="Arial" panose="020B0604020202020204" pitchFamily="34" charset="0"/>
-            </a:endParaRPr>
-          </a:p>
-          <a:p>
-            <a:pPr marL="342900" lvl="0" indent="-342900" algn="just">
-              <a:lnSpc>
-                <a:spcPct val="150000"/>
-              </a:lnSpc>
-              <a:buFont typeface="+mj-lt"/>
-              <a:buAutoNum type="arabicPeriod"/>
-            </a:pPr>
-            <a:r>
-              <a:rPr lang="pt-BR" sz="1800" dirty="0">
-                <a:effectLst/>
-                <a:latin typeface="Arial" panose="020B0604020202020204" pitchFamily="34" charset="0"/>
-                <a:ea typeface="Arial" panose="020B0604020202020204" pitchFamily="34" charset="0"/>
-                <a:cs typeface="Arial" panose="020B0604020202020204" pitchFamily="34" charset="0"/>
-              </a:rPr>
-              <a:t>Check-in: permitir que o funcionário do hotel possa registrar a chegada do hóspede e atribuir um quarto para ele. </a:t>
-            </a:r>
-            <a:endParaRPr lang="pt-BR" sz="1800" dirty="0">
-              <a:effectLst/>
-              <a:latin typeface="Arial" panose="020B0604020202020204" pitchFamily="34" charset="0"/>
-              <a:ea typeface="Calibri" panose="020F0502020204030204" pitchFamily="34" charset="0"/>
-              <a:cs typeface="Arial" panose="020B0604020202020204" pitchFamily="34" charset="0"/>
-            </a:endParaRPr>
-          </a:p>
-          <a:p>
-            <a:pPr marL="342900" lvl="0" indent="-342900" algn="just">
-              <a:lnSpc>
-                <a:spcPct val="150000"/>
-              </a:lnSpc>
-              <a:buFont typeface="+mj-lt"/>
-              <a:buAutoNum type="arabicPeriod"/>
-            </a:pPr>
-            <a:r>
-              <a:rPr lang="pt-BR" sz="1800" dirty="0">
-                <a:effectLst/>
-                <a:latin typeface="Arial" panose="020B0604020202020204" pitchFamily="34" charset="0"/>
-                <a:ea typeface="Arial" panose="020B0604020202020204" pitchFamily="34" charset="0"/>
-                <a:cs typeface="Arial" panose="020B0604020202020204" pitchFamily="34" charset="0"/>
-              </a:rPr>
-              <a:t>Check-out: permitir que o funcionário do hotel possa registrar a saída do hóspede e finalizar a conta. </a:t>
-            </a:r>
-            <a:endParaRPr lang="pt-BR" sz="1800" dirty="0">
-              <a:effectLst/>
-              <a:latin typeface="Arial" panose="020B0604020202020204" pitchFamily="34" charset="0"/>
-              <a:ea typeface="Calibri" panose="020F0502020204030204" pitchFamily="34" charset="0"/>
-              <a:cs typeface="Arial" panose="020B0604020202020204" pitchFamily="34" charset="0"/>
-            </a:endParaRPr>
-          </a:p>
-          <a:p>
-            <a:endParaRPr lang="pt-BR" dirty="0"/>
-          </a:p>
-        </p:txBody>
-      </p:sp>
-    </p:spTree>
-    <p:extLst>
-      <p:ext uri="{BB962C8B-B14F-4D97-AF65-F5344CB8AC3E}">
-        <p14:creationId xmlns:p14="http://schemas.microsoft.com/office/powerpoint/2010/main" val="3190074125"/>
-      </p:ext>
-    </p:extLst>
-  </p:cSld>
-  <p:clrMapOvr>
-    <a:masterClrMapping/>
-  </p:clrMapOvr>
-</p:sld>
-</file>
-
-<file path=ppt/slides/slide5.xml><?xml version="1.0" encoding="utf-8"?>
-<p:sld xmlns:a="http://schemas.openxmlformats.org/drawingml/2006/main" xmlns:r="http://schemas.openxmlformats.org/officeDocument/2006/relationships" xmlns:p="http://schemas.openxmlformats.org/presentationml/2006/main">
-  <p:cSld>
-    <p:spTree>
-      <p:nvGrpSpPr>
-        <p:cNvPr id="1" name=""/>
-        <p:cNvGrpSpPr/>
-        <p:nvPr/>
-      </p:nvGrpSpPr>
-      <p:grpSpPr>
-        <a:xfrm>
-          <a:off x="0" y="0"/>
-          <a:ext cx="0" cy="0"/>
-          <a:chOff x="0" y="0"/>
-          <a:chExt cx="0" cy="0"/>
-        </a:xfrm>
-      </p:grpSpPr>
-      <p:sp>
-        <p:nvSpPr>
-          <p:cNvPr id="2" name="Título 1">
-            <a:extLst>
-              <a:ext uri="{FF2B5EF4-FFF2-40B4-BE49-F238E27FC236}">
-                <a16:creationId xmlns:a16="http://schemas.microsoft.com/office/drawing/2014/main" id="{90D7A43A-3EFE-5E36-C0F5-7C14CC0F3823}"/>
-              </a:ext>
-            </a:extLst>
-          </p:cNvPr>
-          <p:cNvSpPr>
-            <a:spLocks noGrp="1"/>
-          </p:cNvSpPr>
-          <p:nvPr>
-            <p:ph type="title"/>
-          </p:nvPr>
-        </p:nvSpPr>
-        <p:spPr/>
-        <p:txBody>
-          <a:bodyPr/>
-          <a:lstStyle/>
-          <a:p>
-            <a:r>
-              <a:rPr lang="pt-BR" dirty="0"/>
-              <a:t>MVP</a:t>
-            </a:r>
-          </a:p>
-        </p:txBody>
-      </p:sp>
-      <p:sp>
-        <p:nvSpPr>
-          <p:cNvPr id="3" name="Espaço Reservado para Conteúdo 2">
-            <a:extLst>
-              <a:ext uri="{FF2B5EF4-FFF2-40B4-BE49-F238E27FC236}">
-                <a16:creationId xmlns:a16="http://schemas.microsoft.com/office/drawing/2014/main" id="{BE0AE145-7637-7892-B91A-04F954C5F6FC}"/>
-              </a:ext>
-            </a:extLst>
-          </p:cNvPr>
-          <p:cNvSpPr>
-            <a:spLocks noGrp="1"/>
-          </p:cNvSpPr>
-          <p:nvPr>
-            <p:ph idx="1"/>
-          </p:nvPr>
-        </p:nvSpPr>
-        <p:spPr/>
-        <p:txBody>
-          <a:bodyPr>
-            <a:normAutofit/>
-          </a:bodyPr>
-          <a:lstStyle/>
-          <a:p>
-            <a:pPr marL="342900" lvl="0" indent="-342900" algn="just">
-              <a:lnSpc>
-                <a:spcPct val="150000"/>
-              </a:lnSpc>
-              <a:buFont typeface="+mj-lt"/>
-              <a:buAutoNum type="arabicPeriod"/>
-            </a:pPr>
-            <a:r>
-              <a:rPr lang="pt-BR" sz="1800" dirty="0">
-                <a:effectLst/>
-                <a:latin typeface="Arial" panose="020B0604020202020204" pitchFamily="34" charset="0"/>
-                <a:ea typeface="Arial" panose="020B0604020202020204" pitchFamily="34" charset="0"/>
-                <a:cs typeface="Arial" panose="020B0604020202020204" pitchFamily="34" charset="0"/>
-              </a:rPr>
-              <a:t>Consulta de reservas: permitir que o funcionário do hotel possa verificar as reservas futuras do hóspede. </a:t>
-            </a:r>
-            <a:endParaRPr lang="pt-BR" sz="1800" dirty="0">
-              <a:effectLst/>
-              <a:latin typeface="Arial" panose="020B0604020202020204" pitchFamily="34" charset="0"/>
-              <a:ea typeface="Calibri" panose="020F0502020204030204" pitchFamily="34" charset="0"/>
-              <a:cs typeface="Arial" panose="020B0604020202020204" pitchFamily="34" charset="0"/>
-            </a:endParaRPr>
-          </a:p>
-          <a:p>
-            <a:pPr marL="342900" lvl="0" indent="-342900" algn="just">
-              <a:lnSpc>
-                <a:spcPct val="150000"/>
-              </a:lnSpc>
-              <a:spcAft>
-                <a:spcPts val="800"/>
-              </a:spcAft>
-              <a:buFont typeface="+mj-lt"/>
-              <a:buAutoNum type="arabicPeriod"/>
-            </a:pPr>
-            <a:r>
-              <a:rPr lang="pt-BR" sz="1800" dirty="0">
-                <a:effectLst/>
-                <a:latin typeface="Arial" panose="020B0604020202020204" pitchFamily="34" charset="0"/>
-                <a:ea typeface="Arial" panose="020B0604020202020204" pitchFamily="34" charset="0"/>
-                <a:cs typeface="Arial" panose="020B0604020202020204" pitchFamily="34" charset="0"/>
-              </a:rPr>
-              <a:t>Relatórios básicos: permitir a geração de relatórios simples com informações dos hóspedes, como por exemplo, lista de hóspedes que estão no hotel no momento. </a:t>
-            </a:r>
-          </a:p>
-          <a:p>
-            <a:pPr marL="0" lvl="0" indent="0" algn="just">
-              <a:lnSpc>
-                <a:spcPct val="150000"/>
-              </a:lnSpc>
-              <a:spcAft>
-                <a:spcPts val="800"/>
-              </a:spcAft>
-              <a:buNone/>
-            </a:pPr>
-            <a:endParaRPr lang="pt-BR" sz="1800" dirty="0">
-              <a:effectLst/>
-              <a:latin typeface="Arial" panose="020B0604020202020204" pitchFamily="34" charset="0"/>
-              <a:ea typeface="Calibri" panose="020F0502020204030204" pitchFamily="34" charset="0"/>
-              <a:cs typeface="Arial" panose="020B0604020202020204" pitchFamily="34" charset="0"/>
-            </a:endParaRPr>
-          </a:p>
-          <a:p>
-            <a:endParaRPr lang="pt-BR" dirty="0"/>
-          </a:p>
-        </p:txBody>
-      </p:sp>
-    </p:spTree>
-    <p:extLst>
-      <p:ext uri="{BB962C8B-B14F-4D97-AF65-F5344CB8AC3E}">
-        <p14:creationId xmlns:p14="http://schemas.microsoft.com/office/powerpoint/2010/main" val="2218716422"/>
-      </p:ext>
-    </p:extLst>
-  </p:cSld>
-  <p:clrMapOvr>
-    <a:masterClrMapping/>
-  </p:clrMapOvr>
-</p:sld>
-</file>
-
-<file path=ppt/slides/slide6.xml><?xml version="1.0" encoding="utf-8"?>
-<p:sld xmlns:a="http://schemas.openxmlformats.org/drawingml/2006/main" xmlns:r="http://schemas.openxmlformats.org/officeDocument/2006/relationships" xmlns:p="http://schemas.openxmlformats.org/presentationml/2006/main">
-  <p:cSld>
-    <p:spTree>
-      <p:nvGrpSpPr>
-        <p:cNvPr id="1" name=""/>
-        <p:cNvGrpSpPr/>
-        <p:nvPr/>
-      </p:nvGrpSpPr>
-      <p:grpSpPr>
-        <a:xfrm>
-          <a:off x="0" y="0"/>
-          <a:ext cx="0" cy="0"/>
-          <a:chOff x="0" y="0"/>
-          <a:chExt cx="0" cy="0"/>
-        </a:xfrm>
-      </p:grpSpPr>
-      <p:sp>
-        <p:nvSpPr>
-          <p:cNvPr id="2" name="Título 1">
-            <a:extLst>
-              <a:ext uri="{FF2B5EF4-FFF2-40B4-BE49-F238E27FC236}">
-                <a16:creationId xmlns:a16="http://schemas.microsoft.com/office/drawing/2014/main" id="{90D7A43A-3EFE-5E36-C0F5-7C14CC0F3823}"/>
-              </a:ext>
-            </a:extLst>
-          </p:cNvPr>
-          <p:cNvSpPr>
-            <a:spLocks noGrp="1"/>
-          </p:cNvSpPr>
-          <p:nvPr>
-            <p:ph type="title"/>
-          </p:nvPr>
-        </p:nvSpPr>
-        <p:spPr/>
-        <p:txBody>
-          <a:bodyPr/>
-          <a:lstStyle/>
-          <a:p>
-            <a:r>
-              <a:rPr lang="pt-BR" dirty="0"/>
-              <a:t>Diagramas</a:t>
-            </a:r>
-          </a:p>
-        </p:txBody>
-      </p:sp>
-      <p:sp>
-        <p:nvSpPr>
-          <p:cNvPr id="3" name="Espaço Reservado para Conteúdo 2">
-            <a:extLst>
-              <a:ext uri="{FF2B5EF4-FFF2-40B4-BE49-F238E27FC236}">
-                <a16:creationId xmlns:a16="http://schemas.microsoft.com/office/drawing/2014/main" id="{BE0AE145-7637-7892-B91A-04F954C5F6FC}"/>
-              </a:ext>
-            </a:extLst>
-          </p:cNvPr>
-          <p:cNvSpPr>
-            <a:spLocks noGrp="1"/>
-          </p:cNvSpPr>
-          <p:nvPr>
-            <p:ph idx="1"/>
-          </p:nvPr>
-        </p:nvSpPr>
-        <p:spPr/>
-        <p:txBody>
-          <a:bodyPr>
-            <a:normAutofit/>
-          </a:bodyPr>
-          <a:lstStyle/>
-          <a:p>
-            <a:pPr marL="0" lvl="0" indent="0" algn="just">
-              <a:lnSpc>
-                <a:spcPct val="150000"/>
-              </a:lnSpc>
-              <a:buNone/>
-            </a:pPr>
-            <a:r>
-              <a:rPr lang="pt-BR" sz="1800" dirty="0">
-                <a:effectLst/>
-                <a:latin typeface="Arial" panose="020B0604020202020204" pitchFamily="34" charset="0"/>
-                <a:ea typeface="Calibri" panose="020F0502020204030204" pitchFamily="34" charset="0"/>
-                <a:cs typeface="Arial" panose="020B0604020202020204" pitchFamily="34" charset="0"/>
-              </a:rPr>
-              <a:t>O diagrama será apresentado em um arquivo a parte</a:t>
-            </a:r>
-          </a:p>
-        </p:txBody>
-      </p:sp>
-    </p:spTree>
-    <p:extLst>
-      <p:ext uri="{BB962C8B-B14F-4D97-AF65-F5344CB8AC3E}">
-        <p14:creationId xmlns:p14="http://schemas.microsoft.com/office/powerpoint/2010/main" val="1658231372"/>
       </p:ext>
     </p:extLst>
   </p:cSld>
